--- a/Audits/WS2020_Mohr-Dama_Johannsen_Präsentation_audit1.pptx
+++ b/Audits/WS2020_Mohr-Dama_Johannsen_Präsentation_audit1.pptx
@@ -8921,7 +8921,7 @@
           <a:p>
             <a:r>
               <a:rPr lang="de-DE" dirty="0"/>
-              <a:t>Erste Risiken</a:t>
+              <a:t>6. Erste Risiken</a:t>
             </a:r>
           </a:p>
         </p:txBody>
@@ -9177,7 +9177,7 @@
           <a:p>
             <a:r>
               <a:rPr lang="de-DE" dirty="0"/>
-              <a:t>6. Proof </a:t>
+              <a:t>7. Proof </a:t>
             </a:r>
             <a:r>
               <a:rPr lang="de-DE" dirty="0" err="1"/>
@@ -10057,7 +10057,7 @@
           <a:p>
             <a:r>
               <a:rPr lang="de-DE" dirty="0"/>
-              <a:t>Glossar – Nachhaltigkeit </a:t>
+              <a:t>8. Glossar – Nachhaltigkeit </a:t>
             </a:r>
           </a:p>
         </p:txBody>
@@ -10445,6 +10445,21 @@
             </a:pPr>
             <a:r>
               <a:rPr lang="de-DE" dirty="0"/>
+              <a:t>Erste Risiken</a:t>
+            </a:r>
+          </a:p>
+          <a:p>
+            <a:pPr marL="457200" indent="-457200">
+              <a:buAutoNum type="arabicPeriod"/>
+            </a:pPr>
+            <a:endParaRPr lang="de-DE" dirty="0"/>
+          </a:p>
+          <a:p>
+            <a:pPr marL="457200" indent="-457200">
+              <a:buAutoNum type="arabicPeriod"/>
+            </a:pPr>
+            <a:r>
+              <a:rPr lang="de-DE" dirty="0"/>
               <a:t>Proof </a:t>
             </a:r>
             <a:r>
@@ -10454,18 +10469,26 @@
             <a:r>
               <a:rPr lang="de-DE" dirty="0"/>
               <a:t> Concept</a:t>
+            </a:r>
+          </a:p>
+          <a:p>
+            <a:pPr marL="457200" indent="-457200">
+              <a:buAutoNum type="arabicPeriod"/>
+            </a:pPr>
+            <a:endParaRPr lang="de-DE" dirty="0"/>
+          </a:p>
+          <a:p>
+            <a:pPr marL="457200" indent="-457200">
+              <a:buAutoNum type="arabicPeriod"/>
+            </a:pPr>
+            <a:r>
+              <a:rPr lang="de-DE" dirty="0"/>
+              <a:t>Glossar</a:t>
             </a:r>
             <a:br>
               <a:rPr lang="de-DE" dirty="0"/>
             </a:br>
             <a:endParaRPr lang="de-DE" dirty="0"/>
-          </a:p>
-          <a:p>
-            <a:pPr marL="0" indent="0"/>
-            <a:r>
-              <a:rPr lang="de-DE" dirty="0"/>
-              <a:t>	Quellen</a:t>
-            </a:r>
           </a:p>
         </p:txBody>
       </p:sp>
@@ -10611,7 +10634,7 @@
           <a:graphicData uri="http://schemas.openxmlformats.org/presentationml/2006/ole">
             <mc:AlternateContent xmlns:mc="http://schemas.openxmlformats.org/markup-compatibility/2006">
               <mc:Choice xmlns:v="urn:schemas-microsoft-com:vml" Requires="v">
-                <p:oleObj spid="_x0000_s1028" name="Acrobat Document" r:id="rId4" imgW="16763847" imgH="12953920" progId="AcroExch.Document.DC">
+                <p:oleObj spid="_x0000_s1030" name="Acrobat Document" r:id="rId4" imgW="16763847" imgH="12953920" progId="AcroExch.Document.DC">
                   <p:embed/>
                 </p:oleObj>
               </mc:Choice>
@@ -14935,21 +14958,6 @@
 </file>
 
 <file path=customXml/item1.xml><?xml version="1.0" encoding="utf-8"?>
-<p:properties xmlns:p="http://schemas.microsoft.com/office/2006/metadata/properties" xmlns:xsi="http://www.w3.org/2001/XMLSchema-instance" xmlns:pc="http://schemas.microsoft.com/office/infopath/2007/PartnerControls">
-  <documentManagement/>
-</p:properties>
-</file>
-
-<file path=customXml/item2.xml><?xml version="1.0" encoding="utf-8"?>
-<?mso-contentType ?>
-<FormTemplates xmlns="http://schemas.microsoft.com/sharepoint/v3/contenttype/forms">
-  <Display>DocumentLibraryForm</Display>
-  <Edit>DocumentLibraryForm</Edit>
-  <New>DocumentLibraryForm</New>
-</FormTemplates>
-</file>
-
-<file path=customXml/item3.xml><?xml version="1.0" encoding="utf-8"?>
 <ct:contentTypeSchema xmlns:ct="http://schemas.microsoft.com/office/2006/metadata/contentType" xmlns:ma="http://schemas.microsoft.com/office/2006/metadata/properties/metaAttributes" ct:_="" ma:_="" ma:contentTypeName="Document" ma:contentTypeID="0x010100143CA41F1252234B966D7276D0B4AFCB" ma:contentTypeVersion="2" ma:contentTypeDescription="Create a new document." ma:contentTypeScope="" ma:versionID="661abc4f5f5b890461643ebb9bc84756">
   <xsd:schema xmlns:xsd="http://www.w3.org/2001/XMLSchema" xmlns:xs="http://www.w3.org/2001/XMLSchema" xmlns:p="http://schemas.microsoft.com/office/2006/metadata/properties" xmlns:ns3="d0383999-4dca-4c19-bc7f-5bfd2091257d" targetNamespace="http://schemas.microsoft.com/office/2006/metadata/properties" ma:root="true" ma:fieldsID="490e3eb7f04f0d76759c6c8a6fe9921b" ns3:_="">
     <xsd:import namespace="d0383999-4dca-4c19-bc7f-5bfd2091257d"/>
@@ -15081,31 +15089,22 @@
 </ct:contentTypeSchema>
 </file>
 
-<file path=customXml/itemProps1.xml><?xml version="1.0" encoding="utf-8"?>
-<ds:datastoreItem xmlns:ds="http://schemas.openxmlformats.org/officeDocument/2006/customXml" ds:itemID="{790990F2-5276-43E0-9926-DCD502910E3E}">
-  <ds:schemaRefs>
-    <ds:schemaRef ds:uri="http://purl.org/dc/terms/"/>
-    <ds:schemaRef ds:uri="http://schemas.openxmlformats.org/package/2006/metadata/core-properties"/>
-    <ds:schemaRef ds:uri="http://schemas.microsoft.com/office/2006/documentManagement/types"/>
-    <ds:schemaRef ds:uri="http://schemas.microsoft.com/office/infopath/2007/PartnerControls"/>
-    <ds:schemaRef ds:uri="http://purl.org/dc/elements/1.1/"/>
-    <ds:schemaRef ds:uri="http://schemas.microsoft.com/office/2006/metadata/properties"/>
-    <ds:schemaRef ds:uri="d0383999-4dca-4c19-bc7f-5bfd2091257d"/>
-    <ds:schemaRef ds:uri="http://www.w3.org/XML/1998/namespace"/>
-    <ds:schemaRef ds:uri="http://purl.org/dc/dcmitype/"/>
-  </ds:schemaRefs>
-</ds:datastoreItem>
+<file path=customXml/item2.xml><?xml version="1.0" encoding="utf-8"?>
+<?mso-contentType ?>
+<FormTemplates xmlns="http://schemas.microsoft.com/sharepoint/v3/contenttype/forms">
+  <Display>DocumentLibraryForm</Display>
+  <Edit>DocumentLibraryForm</Edit>
+  <New>DocumentLibraryForm</New>
+</FormTemplates>
 </file>
 
-<file path=customXml/itemProps2.xml><?xml version="1.0" encoding="utf-8"?>
-<ds:datastoreItem xmlns:ds="http://schemas.openxmlformats.org/officeDocument/2006/customXml" ds:itemID="{42AE2341-834F-4164-995F-32C01D4EB46F}">
-  <ds:schemaRefs>
-    <ds:schemaRef ds:uri="http://schemas.microsoft.com/sharepoint/v3/contenttype/forms"/>
-  </ds:schemaRefs>
-</ds:datastoreItem>
+<file path=customXml/item3.xml><?xml version="1.0" encoding="utf-8"?>
+<p:properties xmlns:p="http://schemas.microsoft.com/office/2006/metadata/properties" xmlns:xsi="http://www.w3.org/2001/XMLSchema-instance" xmlns:pc="http://schemas.microsoft.com/office/infopath/2007/PartnerControls">
+  <documentManagement/>
+</p:properties>
 </file>
 
-<file path=customXml/itemProps3.xml><?xml version="1.0" encoding="utf-8"?>
+<file path=customXml/itemProps1.xml><?xml version="1.0" encoding="utf-8"?>
 <ds:datastoreItem xmlns:ds="http://schemas.openxmlformats.org/officeDocument/2006/customXml" ds:itemID="{4A1F5D52-E151-4DA9-828B-67AC70C80A9D}">
   <ds:schemaRefs>
     <ds:schemaRef ds:uri="http://schemas.microsoft.com/office/2006/metadata/contentType"/>
@@ -15121,4 +15120,28 @@
     <ds:schemaRef ds:uri="http://schemas.microsoft.com/internal/obd"/>
   </ds:schemaRefs>
 </ds:datastoreItem>
+</file>
+
+<file path=customXml/itemProps2.xml><?xml version="1.0" encoding="utf-8"?>
+<ds:datastoreItem xmlns:ds="http://schemas.openxmlformats.org/officeDocument/2006/customXml" ds:itemID="{42AE2341-834F-4164-995F-32C01D4EB46F}">
+  <ds:schemaRefs>
+    <ds:schemaRef ds:uri="http://schemas.microsoft.com/sharepoint/v3/contenttype/forms"/>
+  </ds:schemaRefs>
+</ds:datastoreItem>
+</file>
+
+<file path=customXml/itemProps3.xml><?xml version="1.0" encoding="utf-8"?>
+<ds:datastoreItem xmlns:ds="http://schemas.openxmlformats.org/officeDocument/2006/customXml" ds:itemID="{790990F2-5276-43E0-9926-DCD502910E3E}">
+  <ds:schemaRefs>
+    <ds:schemaRef ds:uri="http://purl.org/dc/terms/"/>
+    <ds:schemaRef ds:uri="http://schemas.openxmlformats.org/package/2006/metadata/core-properties"/>
+    <ds:schemaRef ds:uri="http://schemas.microsoft.com/office/2006/documentManagement/types"/>
+    <ds:schemaRef ds:uri="http://schemas.microsoft.com/office/infopath/2007/PartnerControls"/>
+    <ds:schemaRef ds:uri="http://purl.org/dc/elements/1.1/"/>
+    <ds:schemaRef ds:uri="http://schemas.microsoft.com/office/2006/metadata/properties"/>
+    <ds:schemaRef ds:uri="d0383999-4dca-4c19-bc7f-5bfd2091257d"/>
+    <ds:schemaRef ds:uri="http://www.w3.org/XML/1998/namespace"/>
+    <ds:schemaRef ds:uri="http://purl.org/dc/dcmitype/"/>
+  </ds:schemaRefs>
+</ds:datastoreItem>
 </file>
--- a/Audits/WS2020_Mohr-Dama_Johannsen_Präsentation_audit1.pptx
+++ b/Audits/WS2020_Mohr-Dama_Johannsen_Präsentation_audit1.pptx
@@ -7,6 +7,9 @@
   <p:notesMasterIdLst>
     <p:notesMasterId r:id="rId18"/>
   </p:notesMasterIdLst>
+  <p:handoutMasterIdLst>
+    <p:handoutMasterId r:id="rId19"/>
+  </p:handoutMasterIdLst>
   <p:sldIdLst>
     <p:sldId id="256" r:id="rId5"/>
     <p:sldId id="263" r:id="rId6"/>
@@ -160,6 +163,196 @@
 </p:presentation>
 </file>
 
+<file path=ppt/handoutMasters/handoutMaster1.xml><?xml version="1.0" encoding="utf-8"?>
+<p:handoutMaster xmlns:a="http://schemas.openxmlformats.org/drawingml/2006/main" xmlns:r="http://schemas.openxmlformats.org/officeDocument/2006/relationships" xmlns:p="http://schemas.openxmlformats.org/presentationml/2006/main">
+  <p:cSld>
+    <p:bg>
+      <p:bgRef idx="1001">
+        <a:schemeClr val="bg1"/>
+      </p:bgRef>
+    </p:bg>
+    <p:spTree>
+      <p:nvGrpSpPr>
+        <p:cNvPr id="1" name=""/>
+        <p:cNvGrpSpPr/>
+        <p:nvPr/>
+      </p:nvGrpSpPr>
+      <p:grpSpPr>
+        <a:xfrm>
+          <a:off x="0" y="0"/>
+          <a:ext cx="0" cy="0"/>
+          <a:chOff x="0" y="0"/>
+          <a:chExt cx="0" cy="0"/>
+        </a:xfrm>
+      </p:grpSpPr>
+      <p:sp>
+        <p:nvSpPr>
+          <p:cNvPr id="2" name="Kopfzeilenplatzhalter 1">
+            <a:extLst>
+              <a:ext uri="{FF2B5EF4-FFF2-40B4-BE49-F238E27FC236}">
+                <a16:creationId xmlns:a16="http://schemas.microsoft.com/office/drawing/2014/main" id="{6B13E491-0160-44CA-8656-01D95952FFA3}"/>
+              </a:ext>
+            </a:extLst>
+          </p:cNvPr>
+          <p:cNvSpPr>
+            <a:spLocks noGrp="1"/>
+          </p:cNvSpPr>
+          <p:nvPr>
+            <p:ph type="hdr" sz="quarter"/>
+          </p:nvPr>
+        </p:nvSpPr>
+        <p:spPr>
+          <a:xfrm>
+            <a:off x="0" y="0"/>
+            <a:ext cx="2946400" cy="498475"/>
+          </a:xfrm>
+          <a:prstGeom prst="rect">
+            <a:avLst/>
+          </a:prstGeom>
+        </p:spPr>
+        <p:txBody>
+          <a:bodyPr vert="horz" lIns="91440" tIns="45720" rIns="91440" bIns="45720" rtlCol="0"/>
+          <a:lstStyle>
+            <a:lvl1pPr algn="l">
+              <a:defRPr sz="1200"/>
+            </a:lvl1pPr>
+          </a:lstStyle>
+          <a:p>
+            <a:endParaRPr lang="de-DE"/>
+          </a:p>
+        </p:txBody>
+      </p:sp>
+      <p:sp>
+        <p:nvSpPr>
+          <p:cNvPr id="3" name="Datumsplatzhalter 2">
+            <a:extLst>
+              <a:ext uri="{FF2B5EF4-FFF2-40B4-BE49-F238E27FC236}">
+                <a16:creationId xmlns:a16="http://schemas.microsoft.com/office/drawing/2014/main" id="{DBB88F1E-765D-4E21-9F8D-63D1716313FC}"/>
+              </a:ext>
+            </a:extLst>
+          </p:cNvPr>
+          <p:cNvSpPr>
+            <a:spLocks noGrp="1"/>
+          </p:cNvSpPr>
+          <p:nvPr>
+            <p:ph type="dt" sz="quarter" idx="1"/>
+          </p:nvPr>
+        </p:nvSpPr>
+        <p:spPr>
+          <a:xfrm>
+            <a:off x="3849688" y="0"/>
+            <a:ext cx="2946400" cy="498475"/>
+          </a:xfrm>
+          <a:prstGeom prst="rect">
+            <a:avLst/>
+          </a:prstGeom>
+        </p:spPr>
+        <p:txBody>
+          <a:bodyPr vert="horz" lIns="91440" tIns="45720" rIns="91440" bIns="45720" rtlCol="0"/>
+          <a:lstStyle>
+            <a:lvl1pPr algn="r">
+              <a:defRPr sz="1200"/>
+            </a:lvl1pPr>
+          </a:lstStyle>
+          <a:p>
+            <a:fld id="{FC22EBC4-2CA6-42BD-8229-2827ADB55950}" type="datetimeFigureOut">
+              <a:rPr lang="de-DE" smtClean="0"/>
+              <a:t>01.12.2020</a:t>
+            </a:fld>
+            <a:endParaRPr lang="de-DE"/>
+          </a:p>
+        </p:txBody>
+      </p:sp>
+      <p:sp>
+        <p:nvSpPr>
+          <p:cNvPr id="4" name="Fußzeilenplatzhalter 3">
+            <a:extLst>
+              <a:ext uri="{FF2B5EF4-FFF2-40B4-BE49-F238E27FC236}">
+                <a16:creationId xmlns:a16="http://schemas.microsoft.com/office/drawing/2014/main" id="{E90940C7-3E4C-402C-BFFD-712C903FC2F9}"/>
+              </a:ext>
+            </a:extLst>
+          </p:cNvPr>
+          <p:cNvSpPr>
+            <a:spLocks noGrp="1"/>
+          </p:cNvSpPr>
+          <p:nvPr>
+            <p:ph type="ftr" sz="quarter" idx="2"/>
+          </p:nvPr>
+        </p:nvSpPr>
+        <p:spPr>
+          <a:xfrm>
+            <a:off x="0" y="9429750"/>
+            <a:ext cx="2946400" cy="498475"/>
+          </a:xfrm>
+          <a:prstGeom prst="rect">
+            <a:avLst/>
+          </a:prstGeom>
+        </p:spPr>
+        <p:txBody>
+          <a:bodyPr vert="horz" lIns="91440" tIns="45720" rIns="91440" bIns="45720" rtlCol="0" anchor="b"/>
+          <a:lstStyle>
+            <a:lvl1pPr algn="l">
+              <a:defRPr sz="1200"/>
+            </a:lvl1pPr>
+          </a:lstStyle>
+          <a:p>
+            <a:endParaRPr lang="de-DE"/>
+          </a:p>
+        </p:txBody>
+      </p:sp>
+      <p:sp>
+        <p:nvSpPr>
+          <p:cNvPr id="5" name="Foliennummernplatzhalter 4">
+            <a:extLst>
+              <a:ext uri="{FF2B5EF4-FFF2-40B4-BE49-F238E27FC236}">
+                <a16:creationId xmlns:a16="http://schemas.microsoft.com/office/drawing/2014/main" id="{1F056EB9-7E45-44A5-A220-2F64EAE611A8}"/>
+              </a:ext>
+            </a:extLst>
+          </p:cNvPr>
+          <p:cNvSpPr>
+            <a:spLocks noGrp="1"/>
+          </p:cNvSpPr>
+          <p:nvPr>
+            <p:ph type="sldNum" sz="quarter" idx="3"/>
+          </p:nvPr>
+        </p:nvSpPr>
+        <p:spPr>
+          <a:xfrm>
+            <a:off x="3849688" y="9429750"/>
+            <a:ext cx="2946400" cy="498475"/>
+          </a:xfrm>
+          <a:prstGeom prst="rect">
+            <a:avLst/>
+          </a:prstGeom>
+        </p:spPr>
+        <p:txBody>
+          <a:bodyPr vert="horz" lIns="91440" tIns="45720" rIns="91440" bIns="45720" rtlCol="0" anchor="b"/>
+          <a:lstStyle>
+            <a:lvl1pPr algn="r">
+              <a:defRPr sz="1200"/>
+            </a:lvl1pPr>
+          </a:lstStyle>
+          <a:p>
+            <a:fld id="{ED66FE7F-2050-46D9-81E4-FF717F8E139D}" type="slidenum">
+              <a:rPr lang="de-DE" smtClean="0"/>
+              <a:t>‹Nr.›</a:t>
+            </a:fld>
+            <a:endParaRPr lang="de-DE"/>
+          </a:p>
+        </p:txBody>
+      </p:sp>
+    </p:spTree>
+    <p:extLst>
+      <p:ext uri="{BB962C8B-B14F-4D97-AF65-F5344CB8AC3E}">
+        <p14:creationId xmlns:p14="http://schemas.microsoft.com/office/powerpoint/2010/main" val="1028864945"/>
+      </p:ext>
+    </p:extLst>
+  </p:cSld>
+  <p:clrMap bg1="lt1" tx1="dk1" bg2="lt2" tx2="dk2" accent1="accent1" accent2="accent2" accent3="accent3" accent4="accent4" accent5="accent5" accent6="accent6" hlink="hlink" folHlink="folHlink"/>
+  <p:hf hdr="0" ftr="0" dt="0"/>
+</p:handoutMaster>
+</file>
+
 <file path=ppt/notesMasters/notesMaster1.xml><?xml version="1.0" encoding="utf-8"?>
 <p:notesMaster xmlns:a="http://schemas.openxmlformats.org/drawingml/2006/main" xmlns:r="http://schemas.openxmlformats.org/officeDocument/2006/relationships" xmlns:p="http://schemas.openxmlformats.org/presentationml/2006/main">
   <p:cSld>
@@ -242,7 +435,7 @@
           <a:p>
             <a:fld id="{3110366C-6032-4297-BC4F-18F629A9A6A9}" type="datetimeFigureOut">
               <a:rPr lang="de-DE" smtClean="0"/>
-              <a:t>29.11.2020</a:t>
+              <a:t>01.12.2020</a:t>
             </a:fld>
             <a:endParaRPr lang="de-DE"/>
           </a:p>
@@ -414,6 +607,7 @@
     </p:extLst>
   </p:cSld>
   <p:clrMap bg1="lt1" tx1="dk1" bg2="lt2" tx2="dk2" accent1="accent1" accent2="accent2" accent3="accent3" accent4="accent4" accent5="accent5" accent6="accent6" hlink="hlink" folHlink="folHlink"/>
+  <p:hf hdr="0" ftr="0" dt="0"/>
   <p:notesStyle>
     <a:lvl1pPr marL="0" algn="l" defTabSz="914400" rtl="0" eaLnBrk="1" latinLnBrk="0" hangingPunct="1">
       <a:defRPr sz="1200" kern="1200">
@@ -553,56 +747,7 @@
           <a:bodyPr/>
           <a:lstStyle/>
           <a:p>
-            <a:pPr marL="171450" indent="-171450">
-              <a:buFontTx/>
-              <a:buChar char="-"/>
-            </a:pPr>
-            <a:r>
-              <a:rPr lang="de-DE" dirty="0"/>
-              <a:t>Das </a:t>
-            </a:r>
-            <a:r>
-              <a:rPr lang="de-DE" dirty="0" err="1"/>
-              <a:t>Fishbone</a:t>
-            </a:r>
-            <a:r>
-              <a:rPr lang="de-DE" dirty="0"/>
-              <a:t> Diagramm oder auch </a:t>
-            </a:r>
-            <a:r>
-              <a:rPr lang="de-DE" b="0" i="0" dirty="0">
-                <a:solidFill>
-                  <a:srgbClr val="161616"/>
-                </a:solidFill>
-                <a:effectLst/>
-                <a:latin typeface="Open Sans" panose="020B0606030504020204" pitchFamily="34" charset="0"/>
-              </a:rPr>
-              <a:t>Ursache-Wirkungs-Diagramm, </a:t>
-            </a:r>
-            <a:r>
-              <a:rPr lang="de-DE" dirty="0"/>
-              <a:t>eignen sich um Ursachen für ein Problem herauszuarbeiten</a:t>
-            </a:r>
-          </a:p>
-          <a:p>
-            <a:pPr marL="171450" indent="-171450">
-              <a:buFontTx/>
-              <a:buChar char="-"/>
-            </a:pPr>
-            <a:r>
-              <a:rPr lang="de-DE" dirty="0"/>
-              <a:t>Das Typische Schema des Modells ist die 6 – Methode, die Ursachen nach “Mensch“, „Maschine“, „Methode“, „Material“, „Umwelt“ sowie „Messung / Information“ gliedert.</a:t>
-            </a:r>
-          </a:p>
-          <a:p>
-            <a:pPr marL="171450" indent="-171450">
-              <a:buFontTx/>
-              <a:buChar char="-"/>
-            </a:pPr>
-            <a:r>
-              <a:rPr lang="de-DE" dirty="0"/>
-              <a:t>Durch die vorgegebene Gliederung stießen wir aber schnell an die Grenzen der Möglichkeiten dieses Diagramms. </a:t>
-            </a:r>
+            <a:endParaRPr lang="de-DE"/>
           </a:p>
         </p:txBody>
       </p:sp>
@@ -621,9 +766,9 @@
           <a:bodyPr/>
           <a:lstStyle/>
           <a:p>
-            <a:fld id="{996E54E2-22E2-44C2-8C41-A992617FFD87}" type="slidenum">
+            <a:fld id="{548D7E64-8424-4764-AF7C-3E9336290528}" type="slidenum">
               <a:rPr lang="de-DE" smtClean="0"/>
-              <a:t>3</a:t>
+              <a:t>1</a:t>
             </a:fld>
             <a:endParaRPr lang="de-DE"/>
           </a:p>
@@ -632,7 +777,7 @@
     </p:spTree>
     <p:extLst>
       <p:ext uri="{BB962C8B-B14F-4D97-AF65-F5344CB8AC3E}">
-        <p14:creationId xmlns:p14="http://schemas.microsoft.com/office/powerpoint/2010/main" val="2978455486"/>
+        <p14:creationId xmlns:p14="http://schemas.microsoft.com/office/powerpoint/2010/main" val="2478638095"/>
       </p:ext>
     </p:extLst>
   </p:cSld>
@@ -686,6 +831,331 @@
           <a:bodyPr/>
           <a:lstStyle/>
           <a:p>
+            <a:r>
+              <a:rPr lang="de-DE" dirty="0"/>
+              <a:t>Die ersten Risiken wurden aus der Marktrecherche sowie dem Unique </a:t>
+            </a:r>
+            <a:r>
+              <a:rPr lang="de-DE" dirty="0" err="1"/>
+              <a:t>Selling</a:t>
+            </a:r>
+            <a:r>
+              <a:rPr lang="de-DE" dirty="0"/>
+              <a:t> Point erarbeitet. </a:t>
+            </a:r>
+            <a:br>
+              <a:rPr lang="de-DE" dirty="0"/>
+            </a:br>
+            <a:r>
+              <a:rPr lang="de-DE" dirty="0"/>
+              <a:t>Sie stellen </a:t>
+            </a:r>
+            <a:r>
+              <a:rPr lang="de-DE" dirty="0" err="1"/>
+              <a:t>kristische</a:t>
+            </a:r>
+            <a:r>
+              <a:rPr lang="de-DE" dirty="0"/>
+              <a:t> Teile des Systems dar ohne welche die erfolgreiche Entwicklung der Applikation gefährdet wäre. </a:t>
+            </a:r>
+          </a:p>
+          <a:p>
+            <a:r>
+              <a:rPr lang="de-DE" dirty="0"/>
+              <a:t>Aus diesen wurden die erste Proof </a:t>
+            </a:r>
+            <a:r>
+              <a:rPr lang="de-DE" dirty="0" err="1"/>
+              <a:t>of</a:t>
+            </a:r>
+            <a:r>
+              <a:rPr lang="de-DE" dirty="0"/>
+              <a:t> </a:t>
+            </a:r>
+            <a:r>
+              <a:rPr lang="de-DE" dirty="0" err="1"/>
+              <a:t>Concepts</a:t>
+            </a:r>
+            <a:r>
+              <a:rPr lang="de-DE" dirty="0"/>
+              <a:t> erarbeitet. </a:t>
+            </a:r>
+          </a:p>
+        </p:txBody>
+      </p:sp>
+      <p:sp>
+        <p:nvSpPr>
+          <p:cNvPr id="4" name="Foliennummernplatzhalter 3"/>
+          <p:cNvSpPr>
+            <a:spLocks noGrp="1"/>
+          </p:cNvSpPr>
+          <p:nvPr>
+            <p:ph type="sldNum" sz="quarter" idx="5"/>
+          </p:nvPr>
+        </p:nvSpPr>
+        <p:spPr/>
+        <p:txBody>
+          <a:bodyPr/>
+          <a:lstStyle/>
+          <a:p>
+            <a:fld id="{548D7E64-8424-4764-AF7C-3E9336290528}" type="slidenum">
+              <a:rPr lang="de-DE" smtClean="0"/>
+              <a:t>10</a:t>
+            </a:fld>
+            <a:endParaRPr lang="de-DE"/>
+          </a:p>
+        </p:txBody>
+      </p:sp>
+    </p:spTree>
+    <p:extLst>
+      <p:ext uri="{BB962C8B-B14F-4D97-AF65-F5344CB8AC3E}">
+        <p14:creationId xmlns:p14="http://schemas.microsoft.com/office/powerpoint/2010/main" val="3223707224"/>
+      </p:ext>
+    </p:extLst>
+  </p:cSld>
+  <p:clrMapOvr>
+    <a:masterClrMapping/>
+  </p:clrMapOvr>
+</p:notes>
+</file>
+
+<file path=ppt/notesSlides/notesSlide11.xml><?xml version="1.0" encoding="utf-8"?>
+<p:notes xmlns:a="http://schemas.openxmlformats.org/drawingml/2006/main" xmlns:r="http://schemas.openxmlformats.org/officeDocument/2006/relationships" xmlns:p="http://schemas.openxmlformats.org/presentationml/2006/main">
+  <p:cSld>
+    <p:spTree>
+      <p:nvGrpSpPr>
+        <p:cNvPr id="1" name=""/>
+        <p:cNvGrpSpPr/>
+        <p:nvPr/>
+      </p:nvGrpSpPr>
+      <p:grpSpPr>
+        <a:xfrm>
+          <a:off x="0" y="0"/>
+          <a:ext cx="0" cy="0"/>
+          <a:chOff x="0" y="0"/>
+          <a:chExt cx="0" cy="0"/>
+        </a:xfrm>
+      </p:grpSpPr>
+      <p:sp>
+        <p:nvSpPr>
+          <p:cNvPr id="2" name="Folienbildplatzhalter 1"/>
+          <p:cNvSpPr>
+            <a:spLocks noGrp="1" noRot="1" noChangeAspect="1"/>
+          </p:cNvSpPr>
+          <p:nvPr>
+            <p:ph type="sldImg"/>
+          </p:nvPr>
+        </p:nvSpPr>
+        <p:spPr/>
+      </p:sp>
+      <p:sp>
+        <p:nvSpPr>
+          <p:cNvPr id="3" name="Notizenplatzhalter 2"/>
+          <p:cNvSpPr>
+            <a:spLocks noGrp="1"/>
+          </p:cNvSpPr>
+          <p:nvPr>
+            <p:ph type="body" idx="1"/>
+          </p:nvPr>
+        </p:nvSpPr>
+        <p:spPr/>
+        <p:txBody>
+          <a:bodyPr/>
+          <a:lstStyle/>
+          <a:p>
+            <a:pPr>
+              <a:lnSpc>
+                <a:spcPct val="107000"/>
+              </a:lnSpc>
+              <a:spcAft>
+                <a:spcPts val="800"/>
+              </a:spcAft>
+            </a:pPr>
+            <a:r>
+              <a:rPr lang="de-DE" sz="1800" dirty="0" err="1">
+                <a:effectLst/>
+                <a:latin typeface="Arial" panose="020B0604020202020204" pitchFamily="34" charset="0"/>
+                <a:ea typeface="Calibri" panose="020F0502020204030204" pitchFamily="34" charset="0"/>
+                <a:cs typeface="Times New Roman" panose="02020603050405020304" pitchFamily="18" charset="0"/>
+              </a:rPr>
+              <a:t>Fallback</a:t>
+            </a:r>
+            <a:r>
+              <a:rPr lang="de-DE" sz="1800" dirty="0">
+                <a:effectLst/>
+                <a:latin typeface="Arial" panose="020B0604020202020204" pitchFamily="34" charset="0"/>
+                <a:ea typeface="Calibri" panose="020F0502020204030204" pitchFamily="34" charset="0"/>
+                <a:cs typeface="Times New Roman" panose="02020603050405020304" pitchFamily="18" charset="0"/>
+              </a:rPr>
+              <a:t>:</a:t>
+            </a:r>
+            <a:endParaRPr lang="de-DE" sz="1800" dirty="0">
+              <a:effectLst/>
+              <a:latin typeface="Calibri" panose="020F0502020204030204" pitchFamily="34" charset="0"/>
+              <a:ea typeface="Calibri" panose="020F0502020204030204" pitchFamily="34" charset="0"/>
+              <a:cs typeface="Times New Roman" panose="02020603050405020304" pitchFamily="18" charset="0"/>
+            </a:endParaRPr>
+          </a:p>
+          <a:p>
+            <a:pPr>
+              <a:lnSpc>
+                <a:spcPct val="107000"/>
+              </a:lnSpc>
+              <a:spcAft>
+                <a:spcPts val="800"/>
+              </a:spcAft>
+            </a:pPr>
+            <a:r>
+              <a:rPr lang="de-DE" sz="1800" dirty="0">
+                <a:effectLst/>
+                <a:latin typeface="Arial" panose="020B0604020202020204" pitchFamily="34" charset="0"/>
+                <a:ea typeface="Calibri" panose="020F0502020204030204" pitchFamily="34" charset="0"/>
+                <a:cs typeface="Times New Roman" panose="02020603050405020304" pitchFamily="18" charset="0"/>
+              </a:rPr>
+              <a:t>Zu 1. Es wird der Fehler ausgegeben, dass nicht auf die Kamera zugegriffen werden konnte. Der Benutzer wird aufgefordert in den Datenschutzeinstellungen der Anwendung den Kamerazugriff zu erlauben.</a:t>
+            </a:r>
+            <a:endParaRPr lang="de-DE" sz="1800" dirty="0">
+              <a:effectLst/>
+              <a:latin typeface="Calibri" panose="020F0502020204030204" pitchFamily="34" charset="0"/>
+              <a:ea typeface="Calibri" panose="020F0502020204030204" pitchFamily="34" charset="0"/>
+              <a:cs typeface="Times New Roman" panose="02020603050405020304" pitchFamily="18" charset="0"/>
+            </a:endParaRPr>
+          </a:p>
+          <a:p>
+            <a:pPr>
+              <a:lnSpc>
+                <a:spcPct val="107000"/>
+              </a:lnSpc>
+              <a:spcAft>
+                <a:spcPts val="800"/>
+              </a:spcAft>
+            </a:pPr>
+            <a:r>
+              <a:rPr lang="de-DE" sz="1800" dirty="0">
+                <a:effectLst/>
+                <a:latin typeface="Arial" panose="020B0604020202020204" pitchFamily="34" charset="0"/>
+                <a:ea typeface="Calibri" panose="020F0502020204030204" pitchFamily="34" charset="0"/>
+                <a:cs typeface="Times New Roman" panose="02020603050405020304" pitchFamily="18" charset="0"/>
+              </a:rPr>
+              <a:t>Zu 2. Fehlermeldung wird ausgegeben, dass der gescannte Code von der Anwendung nicht unterstützt wird. Es wird ein Beispiel eines unterstützten Barcodes angezeigt.</a:t>
+            </a:r>
+            <a:endParaRPr lang="de-DE" sz="1800" dirty="0">
+              <a:effectLst/>
+              <a:latin typeface="Calibri" panose="020F0502020204030204" pitchFamily="34" charset="0"/>
+              <a:ea typeface="Calibri" panose="020F0502020204030204" pitchFamily="34" charset="0"/>
+              <a:cs typeface="Times New Roman" panose="02020603050405020304" pitchFamily="18" charset="0"/>
+            </a:endParaRPr>
+          </a:p>
+          <a:p>
+            <a:pPr>
+              <a:lnSpc>
+                <a:spcPct val="107000"/>
+              </a:lnSpc>
+              <a:spcAft>
+                <a:spcPts val="800"/>
+              </a:spcAft>
+            </a:pPr>
+            <a:r>
+              <a:rPr lang="de-DE" sz="1800" dirty="0">
+                <a:effectLst/>
+                <a:latin typeface="Arial" panose="020B0604020202020204" pitchFamily="34" charset="0"/>
+                <a:ea typeface="Calibri" panose="020F0502020204030204" pitchFamily="34" charset="0"/>
+                <a:cs typeface="Times New Roman" panose="02020603050405020304" pitchFamily="18" charset="0"/>
+              </a:rPr>
+              <a:t>Zu 3. Es wird der Fehler ausgegeben, dass der Scan nicht erfolgreich war. Der Benutzer wird aufgefordert den Scan zu wiederholen und für ausreichend gute Lichtverhältnisse zu sorgen.</a:t>
+            </a:r>
+            <a:endParaRPr lang="de-DE" sz="1800" dirty="0">
+              <a:effectLst/>
+              <a:latin typeface="Calibri" panose="020F0502020204030204" pitchFamily="34" charset="0"/>
+              <a:ea typeface="Calibri" panose="020F0502020204030204" pitchFamily="34" charset="0"/>
+              <a:cs typeface="Times New Roman" panose="02020603050405020304" pitchFamily="18" charset="0"/>
+            </a:endParaRPr>
+          </a:p>
+          <a:p>
+            <a:endParaRPr lang="de-DE" dirty="0"/>
+          </a:p>
+        </p:txBody>
+      </p:sp>
+      <p:sp>
+        <p:nvSpPr>
+          <p:cNvPr id="4" name="Foliennummernplatzhalter 3"/>
+          <p:cNvSpPr>
+            <a:spLocks noGrp="1"/>
+          </p:cNvSpPr>
+          <p:nvPr>
+            <p:ph type="sldNum" sz="quarter" idx="5"/>
+          </p:nvPr>
+        </p:nvSpPr>
+        <p:spPr/>
+        <p:txBody>
+          <a:bodyPr/>
+          <a:lstStyle/>
+          <a:p>
+            <a:fld id="{996E54E2-22E2-44C2-8C41-A992617FFD87}" type="slidenum">
+              <a:rPr lang="de-DE" smtClean="0"/>
+              <a:t>11</a:t>
+            </a:fld>
+            <a:endParaRPr lang="de-DE"/>
+          </a:p>
+        </p:txBody>
+      </p:sp>
+    </p:spTree>
+    <p:extLst>
+      <p:ext uri="{BB962C8B-B14F-4D97-AF65-F5344CB8AC3E}">
+        <p14:creationId xmlns:p14="http://schemas.microsoft.com/office/powerpoint/2010/main" val="4175277933"/>
+      </p:ext>
+    </p:extLst>
+  </p:cSld>
+  <p:clrMapOvr>
+    <a:masterClrMapping/>
+  </p:clrMapOvr>
+</p:notes>
+</file>
+
+<file path=ppt/notesSlides/notesSlide12.xml><?xml version="1.0" encoding="utf-8"?>
+<p:notes xmlns:a="http://schemas.openxmlformats.org/drawingml/2006/main" xmlns:r="http://schemas.openxmlformats.org/officeDocument/2006/relationships" xmlns:p="http://schemas.openxmlformats.org/presentationml/2006/main">
+  <p:cSld>
+    <p:spTree>
+      <p:nvGrpSpPr>
+        <p:cNvPr id="1" name=""/>
+        <p:cNvGrpSpPr/>
+        <p:nvPr/>
+      </p:nvGrpSpPr>
+      <p:grpSpPr>
+        <a:xfrm>
+          <a:off x="0" y="0"/>
+          <a:ext cx="0" cy="0"/>
+          <a:chOff x="0" y="0"/>
+          <a:chExt cx="0" cy="0"/>
+        </a:xfrm>
+      </p:grpSpPr>
+      <p:sp>
+        <p:nvSpPr>
+          <p:cNvPr id="2" name="Folienbildplatzhalter 1"/>
+          <p:cNvSpPr>
+            <a:spLocks noGrp="1" noRot="1" noChangeAspect="1"/>
+          </p:cNvSpPr>
+          <p:nvPr>
+            <p:ph type="sldImg"/>
+          </p:nvPr>
+        </p:nvSpPr>
+        <p:spPr/>
+      </p:sp>
+      <p:sp>
+        <p:nvSpPr>
+          <p:cNvPr id="3" name="Notizenplatzhalter 2"/>
+          <p:cNvSpPr>
+            <a:spLocks noGrp="1"/>
+          </p:cNvSpPr>
+          <p:nvPr>
+            <p:ph type="body" idx="1"/>
+          </p:nvPr>
+        </p:nvSpPr>
+        <p:spPr/>
+        <p:txBody>
+          <a:bodyPr/>
+          <a:lstStyle/>
+          <a:p>
             <a:pPr>
               <a:lnSpc>
                 <a:spcPct val="107000"/>
@@ -826,7 +1296,7 @@
 </p:notes>
 </file>
 
-<file path=ppt/notesSlides/notesSlide11.xml><?xml version="1.0" encoding="utf-8"?>
+<file path=ppt/notesSlides/notesSlide13.xml><?xml version="1.0" encoding="utf-8"?>
 <p:notes xmlns:a="http://schemas.openxmlformats.org/drawingml/2006/main" xmlns:r="http://schemas.openxmlformats.org/officeDocument/2006/relationships" xmlns:p="http://schemas.openxmlformats.org/presentationml/2006/main">
   <p:cSld>
     <p:spTree>
@@ -957,63 +1427,7 @@
           <a:bodyPr/>
           <a:lstStyle/>
           <a:p>
-            <a:pPr marL="0" marR="0" lvl="0" indent="0" algn="l" defTabSz="914400" rtl="0" eaLnBrk="1" fontAlgn="auto" latinLnBrk="0" hangingPunct="1">
-              <a:lnSpc>
-                <a:spcPct val="100000"/>
-              </a:lnSpc>
-              <a:spcBef>
-                <a:spcPts val="0"/>
-              </a:spcBef>
-              <a:spcAft>
-                <a:spcPts val="0"/>
-              </a:spcAft>
-              <a:buClrTx/>
-              <a:buSzTx/>
-              <a:buFontTx/>
-              <a:buNone/>
-              <a:tabLst/>
-              <a:defRPr/>
-            </a:pPr>
-            <a:r>
-              <a:rPr lang="de-DE" dirty="0"/>
-              <a:t>Wurde aus dem ursprünglichen Domänenmodell sowie dem </a:t>
-            </a:r>
-            <a:r>
-              <a:rPr lang="de-DE" dirty="0" err="1"/>
-              <a:t>Fishbone</a:t>
-            </a:r>
-            <a:r>
-              <a:rPr lang="de-DE" dirty="0"/>
-              <a:t> Diagramm kompiliert. </a:t>
-            </a:r>
-          </a:p>
-          <a:p>
-            <a:r>
-              <a:rPr lang="de-DE" dirty="0"/>
-              <a:t> Methodik: Das ursprüngliche </a:t>
-            </a:r>
-            <a:r>
-              <a:rPr lang="de-DE" dirty="0" err="1"/>
-              <a:t>Domänemodell</a:t>
-            </a:r>
-            <a:r>
-              <a:rPr lang="de-DE" dirty="0"/>
-              <a:t> wurde in zwei einzelne </a:t>
-            </a:r>
-            <a:r>
-              <a:rPr lang="de-DE" dirty="0" err="1"/>
-              <a:t>Domänemodelle</a:t>
-            </a:r>
-            <a:r>
-              <a:rPr lang="de-DE" dirty="0"/>
-              <a:t> aufgeteilt.</a:t>
-            </a:r>
-          </a:p>
-          <a:p>
-            <a:r>
-              <a:rPr lang="de-DE" dirty="0"/>
-              <a:t>Dieses legt den Fokus auf Nachhaltigkeit. Bei dem erstellen dieses Modells ist aufgefallen, dass ein Glossar zur Definition der einzelnen Begriffe vonnöten ist. </a:t>
-            </a:r>
+            <a:endParaRPr lang="de-DE"/>
           </a:p>
         </p:txBody>
       </p:sp>
@@ -1034,7 +1448,7 @@
           <a:p>
             <a:fld id="{548D7E64-8424-4764-AF7C-3E9336290528}" type="slidenum">
               <a:rPr lang="de-DE" smtClean="0"/>
-              <a:t>4</a:t>
+              <a:t>2</a:t>
             </a:fld>
             <a:endParaRPr lang="de-DE"/>
           </a:p>
@@ -1043,7 +1457,7 @@
     </p:spTree>
     <p:extLst>
       <p:ext uri="{BB962C8B-B14F-4D97-AF65-F5344CB8AC3E}">
-        <p14:creationId xmlns:p14="http://schemas.microsoft.com/office/powerpoint/2010/main" val="3975319057"/>
+        <p14:creationId xmlns:p14="http://schemas.microsoft.com/office/powerpoint/2010/main" val="359623778"/>
       </p:ext>
     </p:extLst>
   </p:cSld>
@@ -1097,26 +1511,13 @@
           <a:bodyPr/>
           <a:lstStyle/>
           <a:p>
-            <a:pPr marL="0" marR="0" lvl="0" indent="0" algn="l" defTabSz="914400" rtl="0" eaLnBrk="1" fontAlgn="auto" latinLnBrk="0" hangingPunct="1">
-              <a:lnSpc>
-                <a:spcPct val="100000"/>
-              </a:lnSpc>
-              <a:spcBef>
-                <a:spcPts val="0"/>
-              </a:spcBef>
-              <a:spcAft>
-                <a:spcPts val="0"/>
-              </a:spcAft>
-              <a:buClrTx/>
-              <a:buSzTx/>
+            <a:pPr marL="171450" indent="-171450">
               <a:buFontTx/>
-              <a:buNone/>
-              <a:tabLst/>
-              <a:defRPr/>
+              <a:buChar char="-"/>
             </a:pPr>
             <a:r>
               <a:rPr lang="de-DE" dirty="0"/>
-              <a:t>Wurde aus dem ursprünglichen Domänenmodell sowie dem </a:t>
+              <a:t>Das </a:t>
             </a:r>
             <a:r>
               <a:rPr lang="de-DE" dirty="0" err="1"/>
@@ -1124,13 +1525,41 @@
             </a:r>
             <a:r>
               <a:rPr lang="de-DE" dirty="0"/>
-              <a:t> Diagramm kompiliert. </a:t>
-            </a:r>
-          </a:p>
-          <a:p>
+              <a:t> Diagramm oder auch </a:t>
+            </a:r>
+            <a:r>
+              <a:rPr lang="de-DE" b="0" i="0" dirty="0">
+                <a:solidFill>
+                  <a:srgbClr val="161616"/>
+                </a:solidFill>
+                <a:effectLst/>
+                <a:latin typeface="Open Sans" panose="020B0606030504020204" pitchFamily="34" charset="0"/>
+              </a:rPr>
+              <a:t>Ursache-Wirkungs-Diagramm, </a:t>
+            </a:r>
             <a:r>
               <a:rPr lang="de-DE" dirty="0"/>
-              <a:t> Das ist das Zweite Domänenmodell dieser Iterationsphase. Dies legt den Fokus auf Unternehmen. Bei diesem Modell wurde darauf geachtet, dass auch abgebildet ist, dass manche Assoziationen optional sind und dies von dem jeweiligen Konzern abhängig ist. </a:t>
+              <a:t>eignen sich um Ursachen für ein Problem herauszuarbeiten</a:t>
+            </a:r>
+          </a:p>
+          <a:p>
+            <a:pPr marL="171450" indent="-171450">
+              <a:buFontTx/>
+              <a:buChar char="-"/>
+            </a:pPr>
+            <a:r>
+              <a:rPr lang="de-DE" dirty="0"/>
+              <a:t>Das Typische Schema des Modells ist die 6 – Methode, die Ursachen nach “Mensch“, „Maschine“, „Methode“, „Material“, „Umwelt“ sowie „Messung / Information“ gliedert.</a:t>
+            </a:r>
+          </a:p>
+          <a:p>
+            <a:pPr marL="171450" indent="-171450">
+              <a:buFontTx/>
+              <a:buChar char="-"/>
+            </a:pPr>
+            <a:r>
+              <a:rPr lang="de-DE" dirty="0"/>
+              <a:t>Durch die vorgegebene Gliederung stießen wir aber schnell an die Grenzen der Möglichkeiten dieses Diagramms. </a:t>
             </a:r>
           </a:p>
         </p:txBody>
@@ -1150,9 +1579,9 @@
           <a:bodyPr/>
           <a:lstStyle/>
           <a:p>
-            <a:fld id="{548D7E64-8424-4764-AF7C-3E9336290528}" type="slidenum">
+            <a:fld id="{996E54E2-22E2-44C2-8C41-A992617FFD87}" type="slidenum">
               <a:rPr lang="de-DE" smtClean="0"/>
-              <a:t>5</a:t>
+              <a:t>3</a:t>
             </a:fld>
             <a:endParaRPr lang="de-DE"/>
           </a:p>
@@ -1161,7 +1590,7 @@
     </p:spTree>
     <p:extLst>
       <p:ext uri="{BB962C8B-B14F-4D97-AF65-F5344CB8AC3E}">
-        <p14:creationId xmlns:p14="http://schemas.microsoft.com/office/powerpoint/2010/main" val="279565320"/>
+        <p14:creationId xmlns:p14="http://schemas.microsoft.com/office/powerpoint/2010/main" val="2978455486"/>
       </p:ext>
     </p:extLst>
   </p:cSld>
@@ -1215,68 +1644,63 @@
           <a:bodyPr/>
           <a:lstStyle/>
           <a:p>
-            <a:pPr marL="171450" indent="-171450">
+            <a:pPr marL="0" marR="0" lvl="0" indent="0" algn="l" defTabSz="914400" rtl="0" eaLnBrk="1" fontAlgn="auto" latinLnBrk="0" hangingPunct="1">
+              <a:lnSpc>
+                <a:spcPct val="100000"/>
+              </a:lnSpc>
+              <a:spcBef>
+                <a:spcPts val="0"/>
+              </a:spcBef>
+              <a:spcAft>
+                <a:spcPts val="0"/>
+              </a:spcAft>
+              <a:buClrTx/>
+              <a:buSzTx/>
               <a:buFontTx/>
-              <a:buChar char="-"/>
+              <a:buNone/>
+              <a:tabLst/>
+              <a:defRPr/>
             </a:pPr>
             <a:r>
               <a:rPr lang="de-DE" dirty="0"/>
-              <a:t>Wurde aus den vorherigen Iterationen erstellt</a:t>
-            </a:r>
-          </a:p>
-          <a:p>
-            <a:pPr marL="171450" indent="-171450">
-              <a:buFontTx/>
-              <a:buChar char="-"/>
-            </a:pPr>
+              <a:t>Wurde aus dem ursprünglichen Domänenmodell sowie dem </a:t>
+            </a:r>
+            <a:r>
+              <a:rPr lang="de-DE" dirty="0" err="1"/>
+              <a:t>Fishbone</a:t>
+            </a:r>
             <a:r>
               <a:rPr lang="de-DE" dirty="0"/>
-              <a:t> Beide Modelle wurden verbunden und Redundanzen aufgelöst. Des Weiteren wurden Assoziationen und Knoten ergänzt.</a:t>
-            </a:r>
-          </a:p>
-          <a:p>
-            <a:pPr marL="171450" indent="-171450">
-              <a:buFontTx/>
-              <a:buChar char="-"/>
-            </a:pPr>
+              <a:t> Diagramm kompiliert. </a:t>
+            </a:r>
+          </a:p>
+          <a:p>
             <a:r>
               <a:rPr lang="de-DE" dirty="0"/>
-              <a:t>Ansatz wurde gewählt um tiefer in die Materie eindringen zu können und ein möglichst vollständiges Modell zu erlangen</a:t>
-            </a:r>
-          </a:p>
-          <a:p>
-            <a:pPr marL="628650" lvl="1" indent="-171450">
-              <a:buFontTx/>
-              <a:buChar char="-"/>
-            </a:pPr>
+              <a:t> Methodik: Das ursprüngliche </a:t>
+            </a:r>
+            <a:r>
+              <a:rPr lang="de-DE" dirty="0" err="1"/>
+              <a:t>Domänemodell</a:t>
+            </a:r>
             <a:r>
               <a:rPr lang="de-DE" dirty="0"/>
-              <a:t>Verbindungen zwischen Bestandteilen der Domäne wurden beschriftet und nicht zwingende Verbindungen markiert</a:t>
-            </a:r>
-          </a:p>
-          <a:p>
-            <a:pPr marL="628650" lvl="1" indent="-171450">
-              <a:buFontTx/>
-              <a:buChar char="-"/>
-            </a:pPr>
+              <a:t> wurde in zwei einzelne </a:t>
+            </a:r>
+            <a:r>
+              <a:rPr lang="de-DE" dirty="0" err="1"/>
+              <a:t>Domänemodelle</a:t>
+            </a:r>
             <a:r>
               <a:rPr lang="de-DE" dirty="0"/>
-              <a:t>Komplexe Sachverhalte wurden im Glossar definiert</a:t>
-            </a:r>
-          </a:p>
-          <a:p>
-            <a:pPr marL="457200" lvl="1" indent="0">
-              <a:buFontTx/>
-              <a:buNone/>
-            </a:pPr>
-            <a:endParaRPr lang="de-DE" dirty="0"/>
-          </a:p>
-          <a:p>
-            <a:pPr marL="628650" lvl="1" indent="-171450">
-              <a:buFontTx/>
-              <a:buChar char="-"/>
-            </a:pPr>
-            <a:endParaRPr lang="de-DE" dirty="0"/>
+              <a:t> aufgeteilt.</a:t>
+            </a:r>
+          </a:p>
+          <a:p>
+            <a:r>
+              <a:rPr lang="de-DE" dirty="0"/>
+              <a:t>Dieses legt den Fokus auf Nachhaltigkeit. Bei dem erstellen dieses Modells ist aufgefallen, dass ein Glossar zur Definition der einzelnen Begriffe vonnöten ist. </a:t>
+            </a:r>
           </a:p>
         </p:txBody>
       </p:sp>
@@ -1297,7 +1721,7 @@
           <a:p>
             <a:fld id="{548D7E64-8424-4764-AF7C-3E9336290528}" type="slidenum">
               <a:rPr lang="de-DE" smtClean="0"/>
-              <a:t>6</a:t>
+              <a:t>4</a:t>
             </a:fld>
             <a:endParaRPr lang="de-DE"/>
           </a:p>
@@ -1306,7 +1730,7 @@
     </p:spTree>
     <p:extLst>
       <p:ext uri="{BB962C8B-B14F-4D97-AF65-F5344CB8AC3E}">
-        <p14:creationId xmlns:p14="http://schemas.microsoft.com/office/powerpoint/2010/main" val="2932838858"/>
+        <p14:creationId xmlns:p14="http://schemas.microsoft.com/office/powerpoint/2010/main" val="3975319057"/>
       </p:ext>
     </p:extLst>
   </p:cSld>
@@ -1360,18 +1784,40 @@
           <a:bodyPr/>
           <a:lstStyle/>
           <a:p>
+            <a:pPr marL="0" marR="0" lvl="0" indent="0" algn="l" defTabSz="914400" rtl="0" eaLnBrk="1" fontAlgn="auto" latinLnBrk="0" hangingPunct="1">
+              <a:lnSpc>
+                <a:spcPct val="100000"/>
+              </a:lnSpc>
+              <a:spcBef>
+                <a:spcPts val="0"/>
+              </a:spcBef>
+              <a:spcAft>
+                <a:spcPts val="0"/>
+              </a:spcAft>
+              <a:buClrTx/>
+              <a:buSzTx/>
+              <a:buFontTx/>
+              <a:buNone/>
+              <a:tabLst/>
+              <a:defRPr/>
+            </a:pPr>
             <a:r>
               <a:rPr lang="de-DE" dirty="0"/>
-              <a:t>Aus iteriertem Domänenmodell sowie dem Exposé wurden zuerst generelle Ziele erarbeitet. Diese Ziele wurden dann in langfristige, schwer erreichbare Strategische Ziele, mittelfristige, erreichbare taktische Ziele und kurzfristige, leicht erreichbare Ziele aufgeteilt. Dann wurde überlegt, welche Ziele wie zusammenhängen und welche weiteren Ziele nötig sind. Schließlich wurde dies grafisch modelliert. </a:t>
-            </a:r>
-          </a:p>
-          <a:p>
-            <a:endParaRPr lang="de-DE" dirty="0"/>
-          </a:p>
-          <a:p>
+              <a:t>Wurde aus dem ursprünglichen Domänenmodell sowie dem </a:t>
+            </a:r>
+            <a:r>
+              <a:rPr lang="de-DE" dirty="0" err="1"/>
+              <a:t>Fishbone</a:t>
+            </a:r>
             <a:r>
               <a:rPr lang="de-DE" dirty="0"/>
-              <a:t>Dieses Modell wurde gewählt, da so die Ziele sowie deren Erreichung übersichtlich geplant werden können. Aus diesen können nun Anforderungen erstellt werden, bei welchen der Zweck dieser sofort ersichtlich ist. </a:t>
+              <a:t> Diagramm kompiliert. </a:t>
+            </a:r>
+          </a:p>
+          <a:p>
+            <a:r>
+              <a:rPr lang="de-DE" dirty="0"/>
+              <a:t> Das ist das Zweite Domänenmodell dieser Iterationsphase. Dies legt den Fokus auf Unternehmen. Bei diesem Modell wurde darauf geachtet, dass auch abgebildet ist, dass manche Assoziationen optional sind und dies von dem jeweiligen Konzern abhängig ist. </a:t>
             </a:r>
           </a:p>
         </p:txBody>
@@ -1393,7 +1839,7 @@
           <a:p>
             <a:fld id="{548D7E64-8424-4764-AF7C-3E9336290528}" type="slidenum">
               <a:rPr lang="de-DE" smtClean="0"/>
-              <a:t>7</a:t>
+              <a:t>5</a:t>
             </a:fld>
             <a:endParaRPr lang="de-DE"/>
           </a:p>
@@ -1402,7 +1848,7 @@
     </p:spTree>
     <p:extLst>
       <p:ext uri="{BB962C8B-B14F-4D97-AF65-F5344CB8AC3E}">
-        <p14:creationId xmlns:p14="http://schemas.microsoft.com/office/powerpoint/2010/main" val="2632187078"/>
+        <p14:creationId xmlns:p14="http://schemas.microsoft.com/office/powerpoint/2010/main" val="279565320"/>
       </p:ext>
     </p:extLst>
   </p:cSld>
@@ -1462,15 +1908,7 @@
             </a:pPr>
             <a:r>
               <a:rPr lang="de-DE" dirty="0"/>
-              <a:t>Bei der Marktrecherche wurden die Anwendungen Siegel-Check, </a:t>
-            </a:r>
-            <a:r>
-              <a:rPr lang="de-DE" dirty="0" err="1"/>
-              <a:t>Buycott</a:t>
-            </a:r>
-            <a:r>
-              <a:rPr lang="de-DE" dirty="0"/>
-              <a:t>, sowie Codecheck ermittelt und mit dem zu entwickelnden System Sustainscan im Hinblick auf die Funktionen gegenübergestellt. </a:t>
+              <a:t>Wurde aus den vorherigen Iterationen erstellt</a:t>
             </a:r>
           </a:p>
           <a:p>
@@ -1479,12 +1917,8 @@
               <a:buChar char="-"/>
             </a:pPr>
             <a:r>
-              <a:rPr lang="de-DE" sz="1800" dirty="0">
-                <a:effectLst/>
-                <a:latin typeface="Arial" panose="020B0604020202020204" pitchFamily="34" charset="0"/>
-                <a:ea typeface="Calibri" panose="020F0502020204030204" pitchFamily="34" charset="0"/>
-              </a:rPr>
-              <a:t>Die Siegel-Check Anwendung von dem NABU zeigt nach abfotografieren der Label, ob Lebensmittel ökologisch empfehlenswert sind oder nicht.</a:t>
+              <a:rPr lang="de-DE" dirty="0"/>
+              <a:t> Beide Modelle wurden verbunden und Redundanzen aufgelöst. Des Weiteren wurden Assoziationen und Knoten ergänzt.</a:t>
             </a:r>
           </a:p>
           <a:p>
@@ -1493,138 +1927,39 @@
               <a:buChar char="-"/>
             </a:pPr>
             <a:r>
-              <a:rPr lang="de-DE" sz="1800" dirty="0">
-                <a:effectLst/>
-                <a:latin typeface="Arial" panose="020B0604020202020204" pitchFamily="34" charset="0"/>
-              </a:rPr>
-              <a:t>Ein Vergleich von Produkten oder das Aufzeigen von Alternativen wird nicht unterstützt.</a:t>
-            </a:r>
-          </a:p>
-          <a:p>
-            <a:pPr marL="171450" indent="-171450">
+              <a:rPr lang="de-DE" dirty="0"/>
+              <a:t>Ansatz wurde gewählt um tiefer in die Materie eindringen zu können und ein möglichst vollständiges Modell zu erlangen</a:t>
+            </a:r>
+          </a:p>
+          <a:p>
+            <a:pPr marL="628650" lvl="1" indent="-171450">
               <a:buFontTx/>
               <a:buChar char="-"/>
             </a:pPr>
             <a:r>
-              <a:rPr lang="de-DE" sz="1800" dirty="0">
-                <a:effectLst/>
-                <a:latin typeface="Arial" panose="020B0604020202020204" pitchFamily="34" charset="0"/>
-              </a:rPr>
-              <a:t>Im Funktionsumfangen werden Lebensmittel unterstützt.</a:t>
-            </a:r>
-          </a:p>
-          <a:p>
-            <a:pPr marL="171450" indent="-171450">
+              <a:rPr lang="de-DE" dirty="0"/>
+              <a:t>Verbindungen zwischen Bestandteilen der Domäne wurden beschriftet und nicht zwingende Verbindungen markiert</a:t>
+            </a:r>
+          </a:p>
+          <a:p>
+            <a:pPr marL="628650" lvl="1" indent="-171450">
               <a:buFontTx/>
               <a:buChar char="-"/>
             </a:pPr>
             <a:r>
-              <a:rPr lang="de-DE" sz="1800" dirty="0">
-                <a:effectLst/>
-                <a:latin typeface="Arial" panose="020B0604020202020204" pitchFamily="34" charset="0"/>
-                <a:ea typeface="Calibri" panose="020F0502020204030204" pitchFamily="34" charset="0"/>
-              </a:rPr>
-              <a:t>Die Anwendung </a:t>
-            </a:r>
-            <a:r>
-              <a:rPr lang="de-DE" sz="1800" dirty="0" err="1">
-                <a:effectLst/>
-                <a:latin typeface="Arial" panose="020B0604020202020204" pitchFamily="34" charset="0"/>
-                <a:ea typeface="Calibri" panose="020F0502020204030204" pitchFamily="34" charset="0"/>
-              </a:rPr>
-              <a:t>Buycott</a:t>
-            </a:r>
-            <a:r>
-              <a:rPr lang="de-DE" sz="1800" dirty="0">
-                <a:effectLst/>
-                <a:latin typeface="Arial" panose="020B0604020202020204" pitchFamily="34" charset="0"/>
-                <a:ea typeface="Calibri" panose="020F0502020204030204" pitchFamily="34" charset="0"/>
-              </a:rPr>
-              <a:t> gibt nach Scannen des Barcodes eines Produktes Informationen dazu, welche Marke zu welchem Konzerngehört.</a:t>
-            </a:r>
-          </a:p>
-          <a:p>
-            <a:pPr marL="171450" indent="-171450">
+              <a:rPr lang="de-DE" dirty="0"/>
+              <a:t>Komplexe Sachverhalte wurden im Glossar definiert</a:t>
+            </a:r>
+          </a:p>
+          <a:p>
+            <a:pPr marL="457200" lvl="1" indent="0">
               <a:buFontTx/>
-              <a:buChar char="-"/>
+              <a:buNone/>
             </a:pPr>
-            <a:r>
-              <a:rPr lang="de-DE" sz="1800" dirty="0">
-                <a:effectLst/>
-                <a:latin typeface="Arial" panose="020B0604020202020204" pitchFamily="34" charset="0"/>
-              </a:rPr>
-              <a:t>Die Produkte werden über einen Barcode Scanner erfasst.</a:t>
-            </a:r>
-          </a:p>
-          <a:p>
-            <a:pPr marL="171450" indent="-171450">
-              <a:buFontTx/>
-              <a:buChar char="-"/>
-            </a:pPr>
-            <a:r>
-              <a:rPr lang="de-DE" sz="1800" dirty="0">
-                <a:effectLst/>
-                <a:latin typeface="Arial" panose="020B0604020202020204" pitchFamily="34" charset="0"/>
-                <a:ea typeface="Calibri" panose="020F0502020204030204" pitchFamily="34" charset="0"/>
-              </a:rPr>
-              <a:t>Die App Codecheck analysiert nach einem Scann des Barcodes die Inhaltsstoffe des Produktes.</a:t>
-            </a:r>
-          </a:p>
-          <a:p>
-            <a:pPr marL="171450" indent="-171450">
-              <a:buFontTx/>
-              <a:buChar char="-"/>
-            </a:pPr>
-            <a:r>
-              <a:rPr lang="de-DE" sz="1800" dirty="0">
-                <a:effectLst/>
-                <a:latin typeface="Arial" panose="020B0604020202020204" pitchFamily="34" charset="0"/>
-                <a:ea typeface="Calibri" panose="020F0502020204030204" pitchFamily="34" charset="0"/>
-              </a:rPr>
-              <a:t>Die App Codecheck analysiert nach einem Scann des Barcodes die Inhaltsstoffe des Produktes, als auch ob das Produkt Vegan, Vegetarisch, Lactose sowie Glutenhaltig ist und ob Mikroplastik oder Palmöl enthalten ist.</a:t>
-            </a:r>
-            <a:br>
-              <a:rPr lang="de-DE" sz="1800" dirty="0">
-                <a:effectLst/>
-                <a:latin typeface="Arial" panose="020B0604020202020204" pitchFamily="34" charset="0"/>
-                <a:ea typeface="Calibri" panose="020F0502020204030204" pitchFamily="34" charset="0"/>
-              </a:rPr>
-            </a:br>
-            <a:r>
-              <a:rPr lang="de-DE" sz="1800" dirty="0">
-                <a:effectLst/>
-                <a:latin typeface="Arial" panose="020B0604020202020204" pitchFamily="34" charset="0"/>
-                <a:ea typeface="Calibri" panose="020F0502020204030204" pitchFamily="34" charset="0"/>
-              </a:rPr>
-              <a:t>Codecheck unterstützt dabei auch Alternativen zu dem gescannten Produkt vorzuschlagen.</a:t>
-            </a:r>
-            <a:endParaRPr lang="de-DE" sz="1800" dirty="0">
-              <a:effectLst/>
-              <a:latin typeface="Arial" panose="020B0604020202020204" pitchFamily="34" charset="0"/>
-            </a:endParaRPr>
-          </a:p>
-          <a:p>
-            <a:pPr marL="171450" indent="-171450">
-              <a:buFontTx/>
-              <a:buChar char="-"/>
-            </a:pPr>
-            <a:endParaRPr lang="de-DE" sz="1800" dirty="0">
-              <a:effectLst/>
-              <a:latin typeface="Arial" panose="020B0604020202020204" pitchFamily="34" charset="0"/>
-            </a:endParaRPr>
-          </a:p>
-          <a:p>
-            <a:pPr marL="171450" indent="-171450">
-              <a:buFontTx/>
-              <a:buChar char="-"/>
-            </a:pPr>
-            <a:endParaRPr lang="de-DE" sz="1800" dirty="0">
-              <a:effectLst/>
-              <a:latin typeface="Arial" panose="020B0604020202020204" pitchFamily="34" charset="0"/>
-            </a:endParaRPr>
-          </a:p>
-          <a:p>
-            <a:pPr marL="171450" indent="-171450">
+            <a:endParaRPr lang="de-DE" dirty="0"/>
+          </a:p>
+          <a:p>
+            <a:pPr marL="628650" lvl="1" indent="-171450">
               <a:buFontTx/>
               <a:buChar char="-"/>
             </a:pPr>
@@ -1647,9 +1982,9 @@
           <a:bodyPr/>
           <a:lstStyle/>
           <a:p>
-            <a:fld id="{996E54E2-22E2-44C2-8C41-A992617FFD87}" type="slidenum">
+            <a:fld id="{548D7E64-8424-4764-AF7C-3E9336290528}" type="slidenum">
               <a:rPr lang="de-DE" smtClean="0"/>
-              <a:t>8</a:t>
+              <a:t>6</a:t>
             </a:fld>
             <a:endParaRPr lang="de-DE"/>
           </a:p>
@@ -1658,7 +1993,7 @@
     </p:spTree>
     <p:extLst>
       <p:ext uri="{BB962C8B-B14F-4D97-AF65-F5344CB8AC3E}">
-        <p14:creationId xmlns:p14="http://schemas.microsoft.com/office/powerpoint/2010/main" val="328635337"/>
+        <p14:creationId xmlns:p14="http://schemas.microsoft.com/office/powerpoint/2010/main" val="2932838858"/>
       </p:ext>
     </p:extLst>
   </p:cSld>
@@ -1713,44 +2048,18 @@
           <a:lstStyle/>
           <a:p>
             <a:r>
-              <a:rPr lang="de-DE" sz="1800" dirty="0">
-                <a:effectLst/>
-                <a:latin typeface="Arial" panose="020B0604020202020204" pitchFamily="34" charset="0"/>
-                <a:ea typeface="Calibri" panose="020F0502020204030204" pitchFamily="34" charset="0"/>
-              </a:rPr>
-              <a:t>Die daraus sich ergebenden Alleinstellungsmerkmale des zu entwickelnden Systems „Sustainscan“ wären,</a:t>
-            </a:r>
-            <a:br>
-              <a:rPr lang="de-DE" sz="1800" dirty="0">
-                <a:effectLst/>
-                <a:latin typeface="Arial" panose="020B0604020202020204" pitchFamily="34" charset="0"/>
-                <a:ea typeface="Calibri" panose="020F0502020204030204" pitchFamily="34" charset="0"/>
-              </a:rPr>
-            </a:br>
-            <a:r>
-              <a:rPr lang="de-DE" sz="1800" dirty="0">
-                <a:effectLst/>
-                <a:latin typeface="Arial" panose="020B0604020202020204" pitchFamily="34" charset="0"/>
-                <a:ea typeface="Calibri" panose="020F0502020204030204" pitchFamily="34" charset="0"/>
-              </a:rPr>
-              <a:t>die Möglichkeit alle Konsumgüter, sowie Lebensmittel zu vergleichen, als auch vorgeschlagene Alternativen</a:t>
-            </a:r>
-            <a:br>
-              <a:rPr lang="de-DE" sz="1800" dirty="0">
-                <a:effectLst/>
-                <a:latin typeface="Arial" panose="020B0604020202020204" pitchFamily="34" charset="0"/>
-                <a:ea typeface="Calibri" panose="020F0502020204030204" pitchFamily="34" charset="0"/>
-              </a:rPr>
-            </a:br>
-            <a:r>
-              <a:rPr lang="de-DE" sz="1800" dirty="0">
-                <a:effectLst/>
-                <a:latin typeface="Arial" panose="020B0604020202020204" pitchFamily="34" charset="0"/>
-                <a:ea typeface="Calibri" panose="020F0502020204030204" pitchFamily="34" charset="0"/>
-              </a:rPr>
-              <a:t>für eingelesene Produkte, sowie die Berücksichtigung der Herstellung und die Muttergesellschaft der Marke, auszugeben</a:t>
-            </a:r>
+              <a:rPr lang="de-DE" dirty="0"/>
+              <a:t>Aus iteriertem Domänenmodell sowie dem Exposé wurden zuerst generelle Ziele erarbeitet. Diese Ziele wurden dann in langfristige, schwer erreichbare Strategische Ziele, mittelfristige, erreichbare taktische Ziele und kurzfristige, leicht erreichbare Ziele aufgeteilt. Dann wurde überlegt, welche Ziele wie zusammenhängen und welche weiteren Ziele nötig sind. Schließlich wurde dies grafisch modelliert. </a:t>
+            </a:r>
+          </a:p>
+          <a:p>
             <a:endParaRPr lang="de-DE" dirty="0"/>
+          </a:p>
+          <a:p>
+            <a:r>
+              <a:rPr lang="de-DE" dirty="0"/>
+              <a:t>Dieses Modell wurde gewählt, da so die Ziele sowie deren Erreichung übersichtlich geplant werden können. Aus diesen können nun Anforderungen erstellt werden, bei welchen der Zweck dieser sofort ersichtlich ist. </a:t>
+            </a:r>
           </a:p>
         </p:txBody>
       </p:sp>
@@ -1769,9 +2078,9 @@
           <a:bodyPr/>
           <a:lstStyle/>
           <a:p>
-            <a:fld id="{996E54E2-22E2-44C2-8C41-A992617FFD87}" type="slidenum">
+            <a:fld id="{548D7E64-8424-4764-AF7C-3E9336290528}" type="slidenum">
               <a:rPr lang="de-DE" smtClean="0"/>
-              <a:t>9</a:t>
+              <a:t>7</a:t>
             </a:fld>
             <a:endParaRPr lang="de-DE"/>
           </a:p>
@@ -1780,7 +2089,7 @@
     </p:spTree>
     <p:extLst>
       <p:ext uri="{BB962C8B-B14F-4D97-AF65-F5344CB8AC3E}">
-        <p14:creationId xmlns:p14="http://schemas.microsoft.com/office/powerpoint/2010/main" val="23658927"/>
+        <p14:creationId xmlns:p14="http://schemas.microsoft.com/office/powerpoint/2010/main" val="2632187078"/>
       </p:ext>
     </p:extLst>
   </p:cSld>
@@ -1834,55 +2143,179 @@
           <a:bodyPr/>
           <a:lstStyle/>
           <a:p>
+            <a:pPr marL="171450" indent="-171450">
+              <a:buFontTx/>
+              <a:buChar char="-"/>
+            </a:pPr>
             <a:r>
               <a:rPr lang="de-DE" dirty="0"/>
-              <a:t>Die ersten Risiken wurden aus der Marktrecherche sowie dem Unique </a:t>
+              <a:t>Bei der Marktrecherche wurden die Anwendungen Siegel-Check, </a:t>
             </a:r>
             <a:r>
               <a:rPr lang="de-DE" dirty="0" err="1"/>
-              <a:t>Selling</a:t>
+              <a:t>Buycott</a:t>
             </a:r>
             <a:r>
               <a:rPr lang="de-DE" dirty="0"/>
-              <a:t> Point erarbeitet. </a:t>
+              <a:t>, sowie Codecheck ermittelt und mit dem zu entwickelnden System Sustainscan im Hinblick auf die Funktionen gegenübergestellt. </a:t>
+            </a:r>
+          </a:p>
+          <a:p>
+            <a:pPr marL="171450" indent="-171450">
+              <a:buFontTx/>
+              <a:buChar char="-"/>
+            </a:pPr>
+            <a:r>
+              <a:rPr lang="de-DE" sz="1800" dirty="0">
+                <a:effectLst/>
+                <a:latin typeface="Arial" panose="020B0604020202020204" pitchFamily="34" charset="0"/>
+                <a:ea typeface="Calibri" panose="020F0502020204030204" pitchFamily="34" charset="0"/>
+              </a:rPr>
+              <a:t>Die Siegel-Check Anwendung von dem NABU zeigt nach abfotografieren der Label, ob Lebensmittel ökologisch empfehlenswert sind oder nicht.</a:t>
+            </a:r>
+          </a:p>
+          <a:p>
+            <a:pPr marL="171450" indent="-171450">
+              <a:buFontTx/>
+              <a:buChar char="-"/>
+            </a:pPr>
+            <a:r>
+              <a:rPr lang="de-DE" sz="1800" dirty="0">
+                <a:effectLst/>
+                <a:latin typeface="Arial" panose="020B0604020202020204" pitchFamily="34" charset="0"/>
+              </a:rPr>
+              <a:t>Ein Vergleich von Produkten oder das Aufzeigen von Alternativen wird nicht unterstützt.</a:t>
+            </a:r>
+          </a:p>
+          <a:p>
+            <a:pPr marL="171450" indent="-171450">
+              <a:buFontTx/>
+              <a:buChar char="-"/>
+            </a:pPr>
+            <a:r>
+              <a:rPr lang="de-DE" sz="1800" dirty="0">
+                <a:effectLst/>
+                <a:latin typeface="Arial" panose="020B0604020202020204" pitchFamily="34" charset="0"/>
+              </a:rPr>
+              <a:t>Im Funktionsumfangen werden Lebensmittel unterstützt.</a:t>
+            </a:r>
+          </a:p>
+          <a:p>
+            <a:pPr marL="171450" indent="-171450">
+              <a:buFontTx/>
+              <a:buChar char="-"/>
+            </a:pPr>
+            <a:r>
+              <a:rPr lang="de-DE" sz="1800" dirty="0">
+                <a:effectLst/>
+                <a:latin typeface="Arial" panose="020B0604020202020204" pitchFamily="34" charset="0"/>
+                <a:ea typeface="Calibri" panose="020F0502020204030204" pitchFamily="34" charset="0"/>
+              </a:rPr>
+              <a:t>Die Anwendung </a:t>
+            </a:r>
+            <a:r>
+              <a:rPr lang="de-DE" sz="1800" dirty="0" err="1">
+                <a:effectLst/>
+                <a:latin typeface="Arial" panose="020B0604020202020204" pitchFamily="34" charset="0"/>
+                <a:ea typeface="Calibri" panose="020F0502020204030204" pitchFamily="34" charset="0"/>
+              </a:rPr>
+              <a:t>Buycott</a:t>
+            </a:r>
+            <a:r>
+              <a:rPr lang="de-DE" sz="1800" dirty="0">
+                <a:effectLst/>
+                <a:latin typeface="Arial" panose="020B0604020202020204" pitchFamily="34" charset="0"/>
+                <a:ea typeface="Calibri" panose="020F0502020204030204" pitchFamily="34" charset="0"/>
+              </a:rPr>
+              <a:t> gibt nach Scannen des Barcodes eines Produktes Informationen dazu, welche Marke zu welchem Konzerngehört.</a:t>
+            </a:r>
+          </a:p>
+          <a:p>
+            <a:pPr marL="171450" indent="-171450">
+              <a:buFontTx/>
+              <a:buChar char="-"/>
+            </a:pPr>
+            <a:r>
+              <a:rPr lang="de-DE" sz="1800" dirty="0">
+                <a:effectLst/>
+                <a:latin typeface="Arial" panose="020B0604020202020204" pitchFamily="34" charset="0"/>
+              </a:rPr>
+              <a:t>Die Produkte werden über einen Barcode Scanner erfasst.</a:t>
+            </a:r>
+          </a:p>
+          <a:p>
+            <a:pPr marL="171450" indent="-171450">
+              <a:buFontTx/>
+              <a:buChar char="-"/>
+            </a:pPr>
+            <a:r>
+              <a:rPr lang="de-DE" sz="1800" dirty="0">
+                <a:effectLst/>
+                <a:latin typeface="Arial" panose="020B0604020202020204" pitchFamily="34" charset="0"/>
+                <a:ea typeface="Calibri" panose="020F0502020204030204" pitchFamily="34" charset="0"/>
+              </a:rPr>
+              <a:t>Die App Codecheck analysiert nach einem Scann des Barcodes die Inhaltsstoffe des Produktes.</a:t>
+            </a:r>
+          </a:p>
+          <a:p>
+            <a:pPr marL="171450" indent="-171450">
+              <a:buFontTx/>
+              <a:buChar char="-"/>
+            </a:pPr>
+            <a:r>
+              <a:rPr lang="de-DE" sz="1800" dirty="0">
+                <a:effectLst/>
+                <a:latin typeface="Arial" panose="020B0604020202020204" pitchFamily="34" charset="0"/>
+                <a:ea typeface="Calibri" panose="020F0502020204030204" pitchFamily="34" charset="0"/>
+              </a:rPr>
+              <a:t>Die App Codecheck analysiert nach einem Scann des Barcodes die Inhaltsstoffe des Produktes, als auch ob das Produkt Vegan, Vegetarisch, Lactose sowie Glutenhaltig ist und ob Mikroplastik oder Palmöl enthalten ist.</a:t>
             </a:r>
             <a:br>
-              <a:rPr lang="de-DE" dirty="0"/>
+              <a:rPr lang="de-DE" sz="1800" dirty="0">
+                <a:effectLst/>
+                <a:latin typeface="Arial" panose="020B0604020202020204" pitchFamily="34" charset="0"/>
+                <a:ea typeface="Calibri" panose="020F0502020204030204" pitchFamily="34" charset="0"/>
+              </a:rPr>
             </a:br>
             <a:r>
-              <a:rPr lang="de-DE" dirty="0"/>
-              <a:t>Sie stellen </a:t>
-            </a:r>
-            <a:r>
-              <a:rPr lang="de-DE" dirty="0" err="1"/>
-              <a:t>kristische</a:t>
-            </a:r>
-            <a:r>
-              <a:rPr lang="de-DE" dirty="0"/>
-              <a:t> Teile des Systems dar ohne welche die erfolgreiche Entwicklung der Applikation gefährdet wäre. </a:t>
-            </a:r>
-          </a:p>
-          <a:p>
-            <a:r>
-              <a:rPr lang="de-DE" dirty="0"/>
-              <a:t>Aus diesen wurden die erste Proof </a:t>
-            </a:r>
-            <a:r>
-              <a:rPr lang="de-DE" dirty="0" err="1"/>
-              <a:t>of</a:t>
-            </a:r>
-            <a:r>
-              <a:rPr lang="de-DE" dirty="0"/>
-              <a:t> </a:t>
-            </a:r>
-            <a:r>
-              <a:rPr lang="de-DE" dirty="0" err="1"/>
-              <a:t>Concepts</a:t>
-            </a:r>
-            <a:r>
-              <a:rPr lang="de-DE" dirty="0"/>
-              <a:t> erarbeitet. </a:t>
-            </a:r>
+              <a:rPr lang="de-DE" sz="1800" dirty="0">
+                <a:effectLst/>
+                <a:latin typeface="Arial" panose="020B0604020202020204" pitchFamily="34" charset="0"/>
+                <a:ea typeface="Calibri" panose="020F0502020204030204" pitchFamily="34" charset="0"/>
+              </a:rPr>
+              <a:t>Codecheck unterstützt dabei auch Alternativen zu dem gescannten Produkt vorzuschlagen.</a:t>
+            </a:r>
+            <a:endParaRPr lang="de-DE" sz="1800" dirty="0">
+              <a:effectLst/>
+              <a:latin typeface="Arial" panose="020B0604020202020204" pitchFamily="34" charset="0"/>
+            </a:endParaRPr>
+          </a:p>
+          <a:p>
+            <a:pPr marL="171450" indent="-171450">
+              <a:buFontTx/>
+              <a:buChar char="-"/>
+            </a:pPr>
+            <a:endParaRPr lang="de-DE" sz="1800" dirty="0">
+              <a:effectLst/>
+              <a:latin typeface="Arial" panose="020B0604020202020204" pitchFamily="34" charset="0"/>
+            </a:endParaRPr>
+          </a:p>
+          <a:p>
+            <a:pPr marL="171450" indent="-171450">
+              <a:buFontTx/>
+              <a:buChar char="-"/>
+            </a:pPr>
+            <a:endParaRPr lang="de-DE" sz="1800" dirty="0">
+              <a:effectLst/>
+              <a:latin typeface="Arial" panose="020B0604020202020204" pitchFamily="34" charset="0"/>
+            </a:endParaRPr>
+          </a:p>
+          <a:p>
+            <a:pPr marL="171450" indent="-171450">
+              <a:buFontTx/>
+              <a:buChar char="-"/>
+            </a:pPr>
+            <a:endParaRPr lang="de-DE" dirty="0"/>
           </a:p>
         </p:txBody>
       </p:sp>
@@ -1901,9 +2334,9 @@
           <a:bodyPr/>
           <a:lstStyle/>
           <a:p>
-            <a:fld id="{548D7E64-8424-4764-AF7C-3E9336290528}" type="slidenum">
+            <a:fld id="{996E54E2-22E2-44C2-8C41-A992617FFD87}" type="slidenum">
               <a:rPr lang="de-DE" smtClean="0"/>
-              <a:t>10</a:t>
+              <a:t>8</a:t>
             </a:fld>
             <a:endParaRPr lang="de-DE"/>
           </a:p>
@@ -1912,7 +2345,7 @@
     </p:spTree>
     <p:extLst>
       <p:ext uri="{BB962C8B-B14F-4D97-AF65-F5344CB8AC3E}">
-        <p14:creationId xmlns:p14="http://schemas.microsoft.com/office/powerpoint/2010/main" val="3223707224"/>
+        <p14:creationId xmlns:p14="http://schemas.microsoft.com/office/powerpoint/2010/main" val="328635337"/>
       </p:ext>
     </p:extLst>
   </p:cSld>
@@ -1966,115 +2399,44 @@
           <a:bodyPr/>
           <a:lstStyle/>
           <a:p>
-            <a:pPr>
-              <a:lnSpc>
-                <a:spcPct val="107000"/>
-              </a:lnSpc>
-              <a:spcAft>
-                <a:spcPts val="800"/>
-              </a:spcAft>
-            </a:pPr>
-            <a:r>
-              <a:rPr lang="de-DE" sz="1800" dirty="0" err="1">
-                <a:effectLst/>
-                <a:latin typeface="Arial" panose="020B0604020202020204" pitchFamily="34" charset="0"/>
-                <a:ea typeface="Calibri" panose="020F0502020204030204" pitchFamily="34" charset="0"/>
-                <a:cs typeface="Times New Roman" panose="02020603050405020304" pitchFamily="18" charset="0"/>
-              </a:rPr>
-              <a:t>Fallback</a:t>
-            </a:r>
             <a:r>
               <a:rPr lang="de-DE" sz="1800" dirty="0">
                 <a:effectLst/>
                 <a:latin typeface="Arial" panose="020B0604020202020204" pitchFamily="34" charset="0"/>
                 <a:ea typeface="Calibri" panose="020F0502020204030204" pitchFamily="34" charset="0"/>
-                <a:cs typeface="Times New Roman" panose="02020603050405020304" pitchFamily="18" charset="0"/>
               </a:rPr>
-              <a:t>:</a:t>
-            </a:r>
-            <a:endParaRPr lang="de-DE" sz="1800" dirty="0">
-              <a:effectLst/>
-              <a:latin typeface="Calibri" panose="020F0502020204030204" pitchFamily="34" charset="0"/>
-              <a:ea typeface="Calibri" panose="020F0502020204030204" pitchFamily="34" charset="0"/>
-              <a:cs typeface="Times New Roman" panose="02020603050405020304" pitchFamily="18" charset="0"/>
-            </a:endParaRPr>
-          </a:p>
-          <a:p>
-            <a:pPr>
-              <a:lnSpc>
-                <a:spcPct val="107000"/>
-              </a:lnSpc>
-              <a:spcAft>
-                <a:spcPts val="800"/>
-              </a:spcAft>
-            </a:pPr>
-            <a:r>
+              <a:t>Die daraus sich ergebenden Alleinstellungsmerkmale des zu entwickelnden Systems „Sustainscan“ wären,</a:t>
+            </a:r>
+            <a:br>
               <a:rPr lang="de-DE" sz="1800" dirty="0">
                 <a:effectLst/>
                 <a:latin typeface="Arial" panose="020B0604020202020204" pitchFamily="34" charset="0"/>
                 <a:ea typeface="Calibri" panose="020F0502020204030204" pitchFamily="34" charset="0"/>
-                <a:cs typeface="Times New Roman" panose="02020603050405020304" pitchFamily="18" charset="0"/>
               </a:rPr>
-              <a:t>Zu 1. Es wird der Fehler ausgegeben, dass nicht auf die Kamera zugegriffen werden konnte. Der Benutzer wird aufgefordert in den Datenschutzeinstellungen der Anwendung den Kamerazugriff zu erlauben.</a:t>
-            </a:r>
-            <a:endParaRPr lang="de-DE" sz="1800" dirty="0">
-              <a:effectLst/>
-              <a:latin typeface="Calibri" panose="020F0502020204030204" pitchFamily="34" charset="0"/>
-              <a:ea typeface="Calibri" panose="020F0502020204030204" pitchFamily="34" charset="0"/>
-              <a:cs typeface="Times New Roman" panose="02020603050405020304" pitchFamily="18" charset="0"/>
-            </a:endParaRPr>
-          </a:p>
-          <a:p>
-            <a:pPr>
-              <a:lnSpc>
-                <a:spcPct val="107000"/>
-              </a:lnSpc>
-              <a:spcAft>
-                <a:spcPts val="800"/>
-              </a:spcAft>
-            </a:pPr>
+            </a:br>
             <a:r>
               <a:rPr lang="de-DE" sz="1800" dirty="0">
                 <a:effectLst/>
                 <a:latin typeface="Arial" panose="020B0604020202020204" pitchFamily="34" charset="0"/>
                 <a:ea typeface="Calibri" panose="020F0502020204030204" pitchFamily="34" charset="0"/>
-                <a:cs typeface="Times New Roman" panose="02020603050405020304" pitchFamily="18" charset="0"/>
               </a:rPr>
-              <a:t>Zu 2. Fehlermeldung wird ausgegeben, dass der gescannte Code von der Anwendung nicht unterstützt wird. Es wird ein Beispiel eines unterstützten Barcodes angezeigt.</a:t>
-            </a:r>
-            <a:endParaRPr lang="de-DE" sz="1800" dirty="0">
-              <a:effectLst/>
-              <a:latin typeface="Calibri" panose="020F0502020204030204" pitchFamily="34" charset="0"/>
-              <a:ea typeface="Calibri" panose="020F0502020204030204" pitchFamily="34" charset="0"/>
-              <a:cs typeface="Times New Roman" panose="02020603050405020304" pitchFamily="18" charset="0"/>
-            </a:endParaRPr>
-          </a:p>
-          <a:p>
-            <a:pPr>
-              <a:lnSpc>
-                <a:spcPct val="107000"/>
-              </a:lnSpc>
-              <a:spcAft>
-                <a:spcPts val="800"/>
-              </a:spcAft>
-            </a:pPr>
-            <a:r>
+              <a:t>die Möglichkeit alle Konsumgüter, sowie Lebensmittel zu vergleichen, als auch vorgeschlagene Alternativen</a:t>
+            </a:r>
+            <a:br>
               <a:rPr lang="de-DE" sz="1800" dirty="0">
                 <a:effectLst/>
                 <a:latin typeface="Arial" panose="020B0604020202020204" pitchFamily="34" charset="0"/>
                 <a:ea typeface="Calibri" panose="020F0502020204030204" pitchFamily="34" charset="0"/>
-                <a:cs typeface="Times New Roman" panose="02020603050405020304" pitchFamily="18" charset="0"/>
               </a:rPr>
-              <a:t>Zu 3. Es wird der Fehler ausgegeben, dass der Scan nicht erfolgreich war. Der Benutzer wird aufgefordert den Scan zu wiederholen und für ausreichend gute Lichtverhältnisse zu sorgen.</a:t>
-            </a:r>
-            <a:endParaRPr lang="de-DE" sz="1800" dirty="0">
-              <a:effectLst/>
-              <a:latin typeface="Calibri" panose="020F0502020204030204" pitchFamily="34" charset="0"/>
-              <a:ea typeface="Calibri" panose="020F0502020204030204" pitchFamily="34" charset="0"/>
-              <a:cs typeface="Times New Roman" panose="02020603050405020304" pitchFamily="18" charset="0"/>
-            </a:endParaRPr>
-          </a:p>
-          <a:p>
+            </a:br>
+            <a:r>
+              <a:rPr lang="de-DE" sz="1800" dirty="0">
+                <a:effectLst/>
+                <a:latin typeface="Arial" panose="020B0604020202020204" pitchFamily="34" charset="0"/>
+                <a:ea typeface="Calibri" panose="020F0502020204030204" pitchFamily="34" charset="0"/>
+              </a:rPr>
+              <a:t>für eingelesene Produkte, sowie die Berücksichtigung der Herstellung und die Muttergesellschaft der Marke, auszugeben</a:t>
+            </a:r>
             <a:endParaRPr lang="de-DE" dirty="0"/>
           </a:p>
         </p:txBody>
@@ -2096,7 +2458,7 @@
           <a:p>
             <a:fld id="{996E54E2-22E2-44C2-8C41-A992617FFD87}" type="slidenum">
               <a:rPr lang="de-DE" smtClean="0"/>
-              <a:t>11</a:t>
+              <a:t>9</a:t>
             </a:fld>
             <a:endParaRPr lang="de-DE"/>
           </a:p>
@@ -2105,7 +2467,7 @@
     </p:spTree>
     <p:extLst>
       <p:ext uri="{BB962C8B-B14F-4D97-AF65-F5344CB8AC3E}">
-        <p14:creationId xmlns:p14="http://schemas.microsoft.com/office/powerpoint/2010/main" val="4175277933"/>
+        <p14:creationId xmlns:p14="http://schemas.microsoft.com/office/powerpoint/2010/main" val="23658927"/>
       </p:ext>
     </p:extLst>
   </p:cSld>
@@ -2577,7 +2939,7 @@
           <a:p>
             <a:fld id="{354055BB-BD8D-49D1-A409-27179E0E0ED0}" type="datetimeFigureOut">
               <a:rPr lang="de-DE" smtClean="0"/>
-              <a:t>29.11.2020</a:t>
+              <a:t>01.12.2020</a:t>
             </a:fld>
             <a:endParaRPr lang="de-DE"/>
           </a:p>
@@ -2696,7 +3058,7 @@
             <a:fld id="{B97BC3E7-97A5-4D58-A34E-10582757D3CB}" type="datetime1">
               <a:rPr lang="de-DE"/>
               <a:pPr lvl="0"/>
-              <a:t>29.11.2020</a:t>
+              <a:t>01.12.2020</a:t>
             </a:fld>
             <a:endParaRPr lang="de-DE"/>
           </a:p>
@@ -3066,7 +3428,7 @@
           <a:p>
             <a:fld id="{E9E5C2E2-2845-4C05-86E2-5E2173AA51DA}" type="datetimeFigureOut">
               <a:rPr lang="de-DE" smtClean="0"/>
-              <a:t>29.11.2020</a:t>
+              <a:t>01.12.2020</a:t>
             </a:fld>
             <a:endParaRPr lang="de-DE"/>
           </a:p>
@@ -3431,7 +3793,7 @@
               <a:pPr>
                 <a:defRPr/>
               </a:pPr>
-              <a:t>29.11.2020</a:t>
+              <a:t>01.12.2020</a:t>
             </a:fld>
             <a:endParaRPr lang="de-DE" dirty="0"/>
           </a:p>
@@ -3843,7 +4205,7 @@
               <a:pPr>
                 <a:defRPr/>
               </a:pPr>
-              <a:t>29.11.2020</a:t>
+              <a:t>01.12.2020</a:t>
             </a:fld>
             <a:endParaRPr lang="de-DE" dirty="0"/>
           </a:p>
@@ -4409,7 +4771,7 @@
               <a:pPr>
                 <a:defRPr/>
               </a:pPr>
-              <a:t>29.11.2020</a:t>
+              <a:t>01.12.2020</a:t>
             </a:fld>
             <a:endParaRPr lang="de-DE" dirty="0"/>
           </a:p>
@@ -4859,7 +5221,7 @@
               <a:pPr>
                 <a:defRPr/>
               </a:pPr>
-              <a:t>29.11.2020</a:t>
+              <a:t>01.12.2020</a:t>
             </a:fld>
             <a:endParaRPr lang="de-DE" dirty="0"/>
           </a:p>
@@ -4966,7 +5328,7 @@
               <a:pPr>
                 <a:defRPr/>
               </a:pPr>
-              <a:t>29.11.2020</a:t>
+              <a:t>01.12.2020</a:t>
             </a:fld>
             <a:endParaRPr lang="de-DE" dirty="0"/>
           </a:p>
@@ -5952,7 +6314,7 @@
               <a:pPr>
                 <a:defRPr/>
               </a:pPr>
-              <a:t>29.11.2020</a:t>
+              <a:t>01.12.2020</a:t>
             </a:fld>
             <a:endParaRPr lang="de-DE" dirty="0"/>
           </a:p>
@@ -7425,7 +7787,7 @@
               <a:pPr>
                 <a:defRPr/>
               </a:pPr>
-              <a:t>29.11.2020</a:t>
+              <a:t>01.12.2020</a:t>
             </a:fld>
             <a:endParaRPr lang="de-DE" dirty="0"/>
           </a:p>
@@ -8132,7 +8494,7 @@
               <a:pPr>
                 <a:defRPr/>
               </a:pPr>
-              <a:t>29.11.2020</a:t>
+              <a:t>01.12.2020</a:t>
             </a:fld>
             <a:endParaRPr lang="de-DE" dirty="0"/>
           </a:p>
@@ -8823,7 +9185,7 @@
             </a:pPr>
             <a:r>
               <a:rPr lang="de-DE" dirty="0"/>
-              <a:t>30.06.2018</a:t>
+              <a:t>30.11.2020</a:t>
             </a:r>
           </a:p>
           <a:p>
@@ -9084,7 +9446,7 @@
               <a:pPr>
                 <a:defRPr/>
               </a:pPr>
-              <a:t>29.11.2020</a:t>
+              <a:t>01.12.2020</a:t>
             </a:fld>
             <a:endParaRPr lang="de-DE" dirty="0"/>
           </a:p>
@@ -9524,7 +9886,7 @@
               <a:pPr>
                 <a:defRPr/>
               </a:pPr>
-              <a:t>29.11.2020</a:t>
+              <a:t>01.12.2020</a:t>
             </a:fld>
             <a:endParaRPr lang="de-DE" dirty="0"/>
           </a:p>
@@ -9964,7 +10326,7 @@
               <a:pPr>
                 <a:defRPr/>
               </a:pPr>
-              <a:t>29.11.2020</a:t>
+              <a:t>01.12.2020</a:t>
             </a:fld>
             <a:endParaRPr lang="de-DE" dirty="0"/>
           </a:p>
@@ -10235,12 +10597,9 @@
             <a:pPr>
               <a:defRPr/>
             </a:pPr>
-            <a:fld id="{EEB36982-DFDB-46D3-B7A3-EB8965E21BD5}" type="datetime1">
+            <a:fld id="{C12D5CEF-D765-4F08-B7ED-5D19E491CDAD}" type="datetime1">
               <a:rPr lang="de-DE" smtClean="0"/>
-              <a:pPr>
-                <a:defRPr/>
-              </a:pPr>
-              <a:t>29.11.2020</a:t>
+              <a:t>01.12.2020</a:t>
             </a:fld>
             <a:endParaRPr lang="de-DE" dirty="0"/>
           </a:p>
@@ -10634,7 +10993,7 @@
           <a:graphicData uri="http://schemas.openxmlformats.org/presentationml/2006/ole">
             <mc:AlternateContent xmlns:mc="http://schemas.openxmlformats.org/markup-compatibility/2006">
               <mc:Choice xmlns:v="urn:schemas-microsoft-com:vml" Requires="v">
-                <p:oleObj spid="_x0000_s1030" name="Acrobat Document" r:id="rId4" imgW="16763847" imgH="12953920" progId="AcroExch.Document.DC">
+                <p:oleObj spid="_x0000_s1032" name="Acrobat Document" r:id="rId4" imgW="16763847" imgH="12953920" progId="AcroExch.Document.DC">
                   <p:embed/>
                 </p:oleObj>
               </mc:Choice>
@@ -10953,7 +11312,7 @@
               <a:pPr>
                 <a:defRPr/>
               </a:pPr>
-              <a:t>29.11.2020</a:t>
+              <a:t>01.12.2020</a:t>
             </a:fld>
             <a:endParaRPr lang="de-DE" dirty="0"/>
           </a:p>
@@ -11142,7 +11501,7 @@
               <a:pPr>
                 <a:defRPr/>
               </a:pPr>
-              <a:t>29.11.2020</a:t>
+              <a:t>01.12.2020</a:t>
             </a:fld>
             <a:endParaRPr lang="de-DE" dirty="0"/>
           </a:p>
@@ -11294,7 +11653,7 @@
               <a:pPr>
                 <a:defRPr/>
               </a:pPr>
-              <a:t>29.11.2020</a:t>
+              <a:t>01.12.2020</a:t>
             </a:fld>
             <a:endParaRPr lang="de-DE" dirty="0"/>
           </a:p>
@@ -11504,7 +11863,7 @@
               <a:pPr>
                 <a:defRPr/>
               </a:pPr>
-              <a:t>29.11.2020</a:t>
+              <a:t>01.12.2020</a:t>
             </a:fld>
             <a:endParaRPr lang="de-DE" dirty="0"/>
           </a:p>
@@ -11628,7 +11987,7 @@
               <a:pPr>
                 <a:defRPr/>
               </a:pPr>
-              <a:t>29.11.2020</a:t>
+              <a:t>01.12.2020</a:t>
             </a:fld>
             <a:endParaRPr lang="de-DE" dirty="0"/>
           </a:p>
@@ -14088,7 +14447,7 @@
                 </a:spcAft>
                 <a:defRPr/>
               </a:pPr>
-              <a:t>29.11.2020</a:t>
+              <a:t>01.12.2020</a:t>
             </a:fld>
             <a:endParaRPr lang="de-DE"/>
           </a:p>
@@ -14957,7 +15316,317 @@
 </a:theme>
 </file>
 
+<file path=ppt/theme/theme3.xml><?xml version="1.0" encoding="utf-8"?>
+<a:theme xmlns:a="http://schemas.openxmlformats.org/drawingml/2006/main" name="Office">
+  <a:themeElements>
+    <a:clrScheme name="Office">
+      <a:dk1>
+        <a:sysClr val="windowText" lastClr="000000"/>
+      </a:dk1>
+      <a:lt1>
+        <a:sysClr val="window" lastClr="FFFFFF"/>
+      </a:lt1>
+      <a:dk2>
+        <a:srgbClr val="44546A"/>
+      </a:dk2>
+      <a:lt2>
+        <a:srgbClr val="E7E6E6"/>
+      </a:lt2>
+      <a:accent1>
+        <a:srgbClr val="4472C4"/>
+      </a:accent1>
+      <a:accent2>
+        <a:srgbClr val="ED7D31"/>
+      </a:accent2>
+      <a:accent3>
+        <a:srgbClr val="A5A5A5"/>
+      </a:accent3>
+      <a:accent4>
+        <a:srgbClr val="FFC000"/>
+      </a:accent4>
+      <a:accent5>
+        <a:srgbClr val="5B9BD5"/>
+      </a:accent5>
+      <a:accent6>
+        <a:srgbClr val="70AD47"/>
+      </a:accent6>
+      <a:hlink>
+        <a:srgbClr val="0563C1"/>
+      </a:hlink>
+      <a:folHlink>
+        <a:srgbClr val="954F72"/>
+      </a:folHlink>
+    </a:clrScheme>
+    <a:fontScheme name="Office">
+      <a:majorFont>
+        <a:latin typeface="Calibri Light" panose="020F0302020204030204"/>
+        <a:ea typeface=""/>
+        <a:cs typeface=""/>
+        <a:font script="Jpan" typeface="游ゴシック Light"/>
+        <a:font script="Hang" typeface="맑은 고딕"/>
+        <a:font script="Hans" typeface="等线 Light"/>
+        <a:font script="Hant" typeface="新細明體"/>
+        <a:font script="Arab" typeface="Times New Roman"/>
+        <a:font script="Hebr" typeface="Times New Roman"/>
+        <a:font script="Thai" typeface="Angsana New"/>
+        <a:font script="Ethi" typeface="Nyala"/>
+        <a:font script="Beng" typeface="Vrinda"/>
+        <a:font script="Gujr" typeface="Shruti"/>
+        <a:font script="Khmr" typeface="MoolBoran"/>
+        <a:font script="Knda" typeface="Tunga"/>
+        <a:font script="Guru" typeface="Raavi"/>
+        <a:font script="Cans" typeface="Euphemia"/>
+        <a:font script="Cher" typeface="Plantagenet Cherokee"/>
+        <a:font script="Yiii" typeface="Microsoft Yi Baiti"/>
+        <a:font script="Tibt" typeface="Microsoft Himalaya"/>
+        <a:font script="Thaa" typeface="MV Boli"/>
+        <a:font script="Deva" typeface="Mangal"/>
+        <a:font script="Telu" typeface="Gautami"/>
+        <a:font script="Taml" typeface="Latha"/>
+        <a:font script="Syrc" typeface="Estrangelo Edessa"/>
+        <a:font script="Orya" typeface="Kalinga"/>
+        <a:font script="Mlym" typeface="Kartika"/>
+        <a:font script="Laoo" typeface="DokChampa"/>
+        <a:font script="Sinh" typeface="Iskoola Pota"/>
+        <a:font script="Mong" typeface="Mongolian Baiti"/>
+        <a:font script="Viet" typeface="Times New Roman"/>
+        <a:font script="Uigh" typeface="Microsoft Uighur"/>
+        <a:font script="Geor" typeface="Sylfaen"/>
+        <a:font script="Armn" typeface="Arial"/>
+        <a:font script="Bugi" typeface="Leelawadee UI"/>
+        <a:font script="Bopo" typeface="Microsoft JhengHei"/>
+        <a:font script="Java" typeface="Javanese Text"/>
+        <a:font script="Lisu" typeface="Segoe UI"/>
+        <a:font script="Mymr" typeface="Myanmar Text"/>
+        <a:font script="Nkoo" typeface="Ebrima"/>
+        <a:font script="Olck" typeface="Nirmala UI"/>
+        <a:font script="Osma" typeface="Ebrima"/>
+        <a:font script="Phag" typeface="Phagspa"/>
+        <a:font script="Syrn" typeface="Estrangelo Edessa"/>
+        <a:font script="Syrj" typeface="Estrangelo Edessa"/>
+        <a:font script="Syre" typeface="Estrangelo Edessa"/>
+        <a:font script="Sora" typeface="Nirmala UI"/>
+        <a:font script="Tale" typeface="Microsoft Tai Le"/>
+        <a:font script="Talu" typeface="Microsoft New Tai Lue"/>
+        <a:font script="Tfng" typeface="Ebrima"/>
+      </a:majorFont>
+      <a:minorFont>
+        <a:latin typeface="Calibri" panose="020F0502020204030204"/>
+        <a:ea typeface=""/>
+        <a:cs typeface=""/>
+        <a:font script="Jpan" typeface="游ゴシック"/>
+        <a:font script="Hang" typeface="맑은 고딕"/>
+        <a:font script="Hans" typeface="等线"/>
+        <a:font script="Hant" typeface="新細明體"/>
+        <a:font script="Arab" typeface="Arial"/>
+        <a:font script="Hebr" typeface="Arial"/>
+        <a:font script="Thai" typeface="Cordia New"/>
+        <a:font script="Ethi" typeface="Nyala"/>
+        <a:font script="Beng" typeface="Vrinda"/>
+        <a:font script="Gujr" typeface="Shruti"/>
+        <a:font script="Khmr" typeface="DaunPenh"/>
+        <a:font script="Knda" typeface="Tunga"/>
+        <a:font script="Guru" typeface="Raavi"/>
+        <a:font script="Cans" typeface="Euphemia"/>
+        <a:font script="Cher" typeface="Plantagenet Cherokee"/>
+        <a:font script="Yiii" typeface="Microsoft Yi Baiti"/>
+        <a:font script="Tibt" typeface="Microsoft Himalaya"/>
+        <a:font script="Thaa" typeface="MV Boli"/>
+        <a:font script="Deva" typeface="Mangal"/>
+        <a:font script="Telu" typeface="Gautami"/>
+        <a:font script="Taml" typeface="Latha"/>
+        <a:font script="Syrc" typeface="Estrangelo Edessa"/>
+        <a:font script="Orya" typeface="Kalinga"/>
+        <a:font script="Mlym" typeface="Kartika"/>
+        <a:font script="Laoo" typeface="DokChampa"/>
+        <a:font script="Sinh" typeface="Iskoola Pota"/>
+        <a:font script="Mong" typeface="Mongolian Baiti"/>
+        <a:font script="Viet" typeface="Arial"/>
+        <a:font script="Uigh" typeface="Microsoft Uighur"/>
+        <a:font script="Geor" typeface="Sylfaen"/>
+        <a:font script="Armn" typeface="Arial"/>
+        <a:font script="Bugi" typeface="Leelawadee UI"/>
+        <a:font script="Bopo" typeface="Microsoft JhengHei"/>
+        <a:font script="Java" typeface="Javanese Text"/>
+        <a:font script="Lisu" typeface="Segoe UI"/>
+        <a:font script="Mymr" typeface="Myanmar Text"/>
+        <a:font script="Nkoo" typeface="Ebrima"/>
+        <a:font script="Olck" typeface="Nirmala UI"/>
+        <a:font script="Osma" typeface="Ebrima"/>
+        <a:font script="Phag" typeface="Phagspa"/>
+        <a:font script="Syrn" typeface="Estrangelo Edessa"/>
+        <a:font script="Syrj" typeface="Estrangelo Edessa"/>
+        <a:font script="Syre" typeface="Estrangelo Edessa"/>
+        <a:font script="Sora" typeface="Nirmala UI"/>
+        <a:font script="Tale" typeface="Microsoft Tai Le"/>
+        <a:font script="Talu" typeface="Microsoft New Tai Lue"/>
+        <a:font script="Tfng" typeface="Ebrima"/>
+      </a:minorFont>
+    </a:fontScheme>
+    <a:fmtScheme name="Office">
+      <a:fillStyleLst>
+        <a:solidFill>
+          <a:schemeClr val="phClr"/>
+        </a:solidFill>
+        <a:gradFill rotWithShape="1">
+          <a:gsLst>
+            <a:gs pos="0">
+              <a:schemeClr val="phClr">
+                <a:lumMod val="110000"/>
+                <a:satMod val="105000"/>
+                <a:tint val="67000"/>
+              </a:schemeClr>
+            </a:gs>
+            <a:gs pos="50000">
+              <a:schemeClr val="phClr">
+                <a:lumMod val="105000"/>
+                <a:satMod val="103000"/>
+                <a:tint val="73000"/>
+              </a:schemeClr>
+            </a:gs>
+            <a:gs pos="100000">
+              <a:schemeClr val="phClr">
+                <a:lumMod val="105000"/>
+                <a:satMod val="109000"/>
+                <a:tint val="81000"/>
+              </a:schemeClr>
+            </a:gs>
+          </a:gsLst>
+          <a:lin ang="5400000" scaled="0"/>
+        </a:gradFill>
+        <a:gradFill rotWithShape="1">
+          <a:gsLst>
+            <a:gs pos="0">
+              <a:schemeClr val="phClr">
+                <a:satMod val="103000"/>
+                <a:lumMod val="102000"/>
+                <a:tint val="94000"/>
+              </a:schemeClr>
+            </a:gs>
+            <a:gs pos="50000">
+              <a:schemeClr val="phClr">
+                <a:satMod val="110000"/>
+                <a:lumMod val="100000"/>
+                <a:shade val="100000"/>
+              </a:schemeClr>
+            </a:gs>
+            <a:gs pos="100000">
+              <a:schemeClr val="phClr">
+                <a:lumMod val="99000"/>
+                <a:satMod val="120000"/>
+                <a:shade val="78000"/>
+              </a:schemeClr>
+            </a:gs>
+          </a:gsLst>
+          <a:lin ang="5400000" scaled="0"/>
+        </a:gradFill>
+      </a:fillStyleLst>
+      <a:lnStyleLst>
+        <a:ln w="6350" cap="flat" cmpd="sng" algn="ctr">
+          <a:solidFill>
+            <a:schemeClr val="phClr"/>
+          </a:solidFill>
+          <a:prstDash val="solid"/>
+          <a:miter lim="800000"/>
+        </a:ln>
+        <a:ln w="12700" cap="flat" cmpd="sng" algn="ctr">
+          <a:solidFill>
+            <a:schemeClr val="phClr"/>
+          </a:solidFill>
+          <a:prstDash val="solid"/>
+          <a:miter lim="800000"/>
+        </a:ln>
+        <a:ln w="19050" cap="flat" cmpd="sng" algn="ctr">
+          <a:solidFill>
+            <a:schemeClr val="phClr"/>
+          </a:solidFill>
+          <a:prstDash val="solid"/>
+          <a:miter lim="800000"/>
+        </a:ln>
+      </a:lnStyleLst>
+      <a:effectStyleLst>
+        <a:effectStyle>
+          <a:effectLst/>
+        </a:effectStyle>
+        <a:effectStyle>
+          <a:effectLst/>
+        </a:effectStyle>
+        <a:effectStyle>
+          <a:effectLst>
+            <a:outerShdw blurRad="57150" dist="19050" dir="5400000" algn="ctr" rotWithShape="0">
+              <a:srgbClr val="000000">
+                <a:alpha val="63000"/>
+              </a:srgbClr>
+            </a:outerShdw>
+          </a:effectLst>
+        </a:effectStyle>
+      </a:effectStyleLst>
+      <a:bgFillStyleLst>
+        <a:solidFill>
+          <a:schemeClr val="phClr"/>
+        </a:solidFill>
+        <a:solidFill>
+          <a:schemeClr val="phClr">
+            <a:tint val="95000"/>
+            <a:satMod val="170000"/>
+          </a:schemeClr>
+        </a:solidFill>
+        <a:gradFill rotWithShape="1">
+          <a:gsLst>
+            <a:gs pos="0">
+              <a:schemeClr val="phClr">
+                <a:tint val="93000"/>
+                <a:satMod val="150000"/>
+                <a:shade val="98000"/>
+                <a:lumMod val="102000"/>
+              </a:schemeClr>
+            </a:gs>
+            <a:gs pos="50000">
+              <a:schemeClr val="phClr">
+                <a:tint val="98000"/>
+                <a:satMod val="130000"/>
+                <a:shade val="90000"/>
+                <a:lumMod val="103000"/>
+              </a:schemeClr>
+            </a:gs>
+            <a:gs pos="100000">
+              <a:schemeClr val="phClr">
+                <a:shade val="63000"/>
+                <a:satMod val="120000"/>
+              </a:schemeClr>
+            </a:gs>
+          </a:gsLst>
+          <a:lin ang="5400000" scaled="0"/>
+        </a:gradFill>
+      </a:bgFillStyleLst>
+    </a:fmtScheme>
+  </a:themeElements>
+  <a:objectDefaults/>
+  <a:extraClrSchemeLst/>
+  <a:extLst>
+    <a:ext uri="{05A4C25C-085E-4340-85A3-A5531E510DB2}">
+      <thm15:themeFamily xmlns:thm15="http://schemas.microsoft.com/office/thememl/2012/main" name="Office Theme" id="{62F939B6-93AF-4DB8-9C6B-D6C7DFDC589F}" vid="{4A3C46E8-61CC-4603-A589-7422A47A8E4A}"/>
+    </a:ext>
+  </a:extLst>
+</a:theme>
+</file>
+
 <file path=customXml/item1.xml><?xml version="1.0" encoding="utf-8"?>
+<p:properties xmlns:p="http://schemas.microsoft.com/office/2006/metadata/properties" xmlns:xsi="http://www.w3.org/2001/XMLSchema-instance" xmlns:pc="http://schemas.microsoft.com/office/infopath/2007/PartnerControls">
+  <documentManagement/>
+</p:properties>
+</file>
+
+<file path=customXml/item2.xml><?xml version="1.0" encoding="utf-8"?>
+<?mso-contentType ?>
+<FormTemplates xmlns="http://schemas.microsoft.com/sharepoint/v3/contenttype/forms">
+  <Display>DocumentLibraryForm</Display>
+  <Edit>DocumentLibraryForm</Edit>
+  <New>DocumentLibraryForm</New>
+</FormTemplates>
+</file>
+
+<file path=customXml/item3.xml><?xml version="1.0" encoding="utf-8"?>
 <ct:contentTypeSchema xmlns:ct="http://schemas.microsoft.com/office/2006/metadata/contentType" xmlns:ma="http://schemas.microsoft.com/office/2006/metadata/properties/metaAttributes" ct:_="" ma:_="" ma:contentTypeName="Document" ma:contentTypeID="0x010100143CA41F1252234B966D7276D0B4AFCB" ma:contentTypeVersion="2" ma:contentTypeDescription="Create a new document." ma:contentTypeScope="" ma:versionID="661abc4f5f5b890461643ebb9bc84756">
   <xsd:schema xmlns:xsd="http://www.w3.org/2001/XMLSchema" xmlns:xs="http://www.w3.org/2001/XMLSchema" xmlns:p="http://schemas.microsoft.com/office/2006/metadata/properties" xmlns:ns3="d0383999-4dca-4c19-bc7f-5bfd2091257d" targetNamespace="http://schemas.microsoft.com/office/2006/metadata/properties" ma:root="true" ma:fieldsID="490e3eb7f04f0d76759c6c8a6fe9921b" ns3:_="">
     <xsd:import namespace="d0383999-4dca-4c19-bc7f-5bfd2091257d"/>
@@ -15089,22 +15758,31 @@
 </ct:contentTypeSchema>
 </file>
 
-<file path=customXml/item2.xml><?xml version="1.0" encoding="utf-8"?>
-<?mso-contentType ?>
-<FormTemplates xmlns="http://schemas.microsoft.com/sharepoint/v3/contenttype/forms">
-  <Display>DocumentLibraryForm</Display>
-  <Edit>DocumentLibraryForm</Edit>
-  <New>DocumentLibraryForm</New>
-</FormTemplates>
+<file path=customXml/itemProps1.xml><?xml version="1.0" encoding="utf-8"?>
+<ds:datastoreItem xmlns:ds="http://schemas.openxmlformats.org/officeDocument/2006/customXml" ds:itemID="{790990F2-5276-43E0-9926-DCD502910E3E}">
+  <ds:schemaRefs>
+    <ds:schemaRef ds:uri="http://purl.org/dc/elements/1.1/"/>
+    <ds:schemaRef ds:uri="http://schemas.microsoft.com/office/2006/documentManagement/types"/>
+    <ds:schemaRef ds:uri="http://purl.org/dc/terms/"/>
+    <ds:schemaRef ds:uri="http://schemas.openxmlformats.org/package/2006/metadata/core-properties"/>
+    <ds:schemaRef ds:uri="http://purl.org/dc/dcmitype/"/>
+    <ds:schemaRef ds:uri="http://schemas.microsoft.com/office/infopath/2007/PartnerControls"/>
+    <ds:schemaRef ds:uri="d0383999-4dca-4c19-bc7f-5bfd2091257d"/>
+    <ds:schemaRef ds:uri="http://schemas.microsoft.com/office/2006/metadata/properties"/>
+    <ds:schemaRef ds:uri="http://www.w3.org/XML/1998/namespace"/>
+  </ds:schemaRefs>
+</ds:datastoreItem>
 </file>
 
-<file path=customXml/item3.xml><?xml version="1.0" encoding="utf-8"?>
-<p:properties xmlns:p="http://schemas.microsoft.com/office/2006/metadata/properties" xmlns:xsi="http://www.w3.org/2001/XMLSchema-instance" xmlns:pc="http://schemas.microsoft.com/office/infopath/2007/PartnerControls">
-  <documentManagement/>
-</p:properties>
+<file path=customXml/itemProps2.xml><?xml version="1.0" encoding="utf-8"?>
+<ds:datastoreItem xmlns:ds="http://schemas.openxmlformats.org/officeDocument/2006/customXml" ds:itemID="{42AE2341-834F-4164-995F-32C01D4EB46F}">
+  <ds:schemaRefs>
+    <ds:schemaRef ds:uri="http://schemas.microsoft.com/sharepoint/v3/contenttype/forms"/>
+  </ds:schemaRefs>
+</ds:datastoreItem>
 </file>
 
-<file path=customXml/itemProps1.xml><?xml version="1.0" encoding="utf-8"?>
+<file path=customXml/itemProps3.xml><?xml version="1.0" encoding="utf-8"?>
 <ds:datastoreItem xmlns:ds="http://schemas.openxmlformats.org/officeDocument/2006/customXml" ds:itemID="{4A1F5D52-E151-4DA9-828B-67AC70C80A9D}">
   <ds:schemaRefs>
     <ds:schemaRef ds:uri="http://schemas.microsoft.com/office/2006/metadata/contentType"/>
@@ -15120,28 +15798,4 @@
     <ds:schemaRef ds:uri="http://schemas.microsoft.com/internal/obd"/>
   </ds:schemaRefs>
 </ds:datastoreItem>
-</file>
-
-<file path=customXml/itemProps2.xml><?xml version="1.0" encoding="utf-8"?>
-<ds:datastoreItem xmlns:ds="http://schemas.openxmlformats.org/officeDocument/2006/customXml" ds:itemID="{42AE2341-834F-4164-995F-32C01D4EB46F}">
-  <ds:schemaRefs>
-    <ds:schemaRef ds:uri="http://schemas.microsoft.com/sharepoint/v3/contenttype/forms"/>
-  </ds:schemaRefs>
-</ds:datastoreItem>
-</file>
-
-<file path=customXml/itemProps3.xml><?xml version="1.0" encoding="utf-8"?>
-<ds:datastoreItem xmlns:ds="http://schemas.openxmlformats.org/officeDocument/2006/customXml" ds:itemID="{790990F2-5276-43E0-9926-DCD502910E3E}">
-  <ds:schemaRefs>
-    <ds:schemaRef ds:uri="http://purl.org/dc/terms/"/>
-    <ds:schemaRef ds:uri="http://schemas.openxmlformats.org/package/2006/metadata/core-properties"/>
-    <ds:schemaRef ds:uri="http://schemas.microsoft.com/office/2006/documentManagement/types"/>
-    <ds:schemaRef ds:uri="http://schemas.microsoft.com/office/infopath/2007/PartnerControls"/>
-    <ds:schemaRef ds:uri="http://purl.org/dc/elements/1.1/"/>
-    <ds:schemaRef ds:uri="http://schemas.microsoft.com/office/2006/metadata/properties"/>
-    <ds:schemaRef ds:uri="d0383999-4dca-4c19-bc7f-5bfd2091257d"/>
-    <ds:schemaRef ds:uri="http://www.w3.org/XML/1998/namespace"/>
-    <ds:schemaRef ds:uri="http://purl.org/dc/dcmitype/"/>
-  </ds:schemaRefs>
-</ds:datastoreItem>
 </file>